--- a/课程PPT/26.JS异步与网络数据交互.pptx
+++ b/课程PPT/26.JS异步与网络数据交互.pptx
@@ -5,23 +5,23 @@
     <p:sldMasterId id="2147483648" r:id="rId1"/>
   </p:sldMasterIdLst>
   <p:notesMasterIdLst>
-    <p:notesMasterId r:id="rId16"/>
+    <p:notesMasterId r:id="rId5"/>
   </p:notesMasterIdLst>
   <p:sldIdLst>
-    <p:sldId id="773" r:id="rId2"/>
-    <p:sldId id="1225" r:id="rId3"/>
-    <p:sldId id="1227" r:id="rId4"/>
-    <p:sldId id="1229" r:id="rId5"/>
-    <p:sldId id="1230" r:id="rId6"/>
-    <p:sldId id="1231" r:id="rId7"/>
-    <p:sldId id="1239" r:id="rId8"/>
-    <p:sldId id="1233" r:id="rId9"/>
-    <p:sldId id="1240" r:id="rId10"/>
-    <p:sldId id="1234" r:id="rId11"/>
-    <p:sldId id="1241" r:id="rId12"/>
-    <p:sldId id="1242" r:id="rId13"/>
-    <p:sldId id="1104" r:id="rId14"/>
-    <p:sldId id="1246" r:id="rId15"/>
+    <p:sldId id="773" r:id="rId3"/>
+    <p:sldId id="1225" r:id="rId4"/>
+    <p:sldId id="1227" r:id="rId6"/>
+    <p:sldId id="1229" r:id="rId7"/>
+    <p:sldId id="1230" r:id="rId8"/>
+    <p:sldId id="1231" r:id="rId9"/>
+    <p:sldId id="1239" r:id="rId10"/>
+    <p:sldId id="1233" r:id="rId11"/>
+    <p:sldId id="1240" r:id="rId12"/>
+    <p:sldId id="1234" r:id="rId13"/>
+    <p:sldId id="1241" r:id="rId14"/>
+    <p:sldId id="1242" r:id="rId15"/>
+    <p:sldId id="1104" r:id="rId16"/>
+    <p:sldId id="1246" r:id="rId17"/>
   </p:sldIdLst>
   <p:sldSz cx="12192000" cy="6858000"/>
   <p:notesSz cx="6797675" cy="9928225"/>
@@ -340,6 +340,7 @@
               <a:rPr lang="zh-CN" altLang="zh-CN" noProof="0" smtClean="0"/>
               <a:t>                                                   </a:t>
             </a:r>
+            <a:endParaRPr lang="zh-CN" altLang="zh-CN" noProof="0" smtClean="0"/>
           </a:p>
           <a:p>
             <a:pPr lvl="1"/>
@@ -347,6 +348,7 @@
               <a:rPr lang="zh-CN" altLang="zh-CN" noProof="0" smtClean="0"/>
               <a:t>               </a:t>
             </a:r>
+            <a:endParaRPr lang="zh-CN" altLang="zh-CN" noProof="0" smtClean="0"/>
           </a:p>
           <a:p>
             <a:pPr lvl="2"/>
@@ -354,6 +356,7 @@
               <a:rPr lang="zh-CN" altLang="zh-CN" noProof="0" smtClean="0"/>
               <a:t>                </a:t>
             </a:r>
+            <a:endParaRPr lang="zh-CN" altLang="zh-CN" noProof="0" smtClean="0"/>
           </a:p>
           <a:p>
             <a:pPr lvl="3"/>
@@ -361,6 +364,7 @@
               <a:rPr lang="zh-CN" altLang="zh-CN" noProof="0" smtClean="0"/>
               <a:t>                </a:t>
             </a:r>
+            <a:endParaRPr lang="zh-CN" altLang="zh-CN" noProof="0" smtClean="0"/>
           </a:p>
           <a:p>
             <a:pPr lvl="4"/>
@@ -368,6 +372,7 @@
               <a:rPr lang="zh-CN" altLang="zh-CN" noProof="0" smtClean="0"/>
               <a:t>                </a:t>
             </a:r>
+            <a:endParaRPr lang="zh-CN" altLang="zh-CN" noProof="0" smtClean="0"/>
           </a:p>
         </p:txBody>
       </p:sp>
@@ -450,18 +455,12 @@
           <a:p>
             <a:fld id="{D9AFD278-84AA-4CAA-9049-809825956FE0}" type="slidenum">
               <a:rPr lang="en-US" altLang="zh-CN"/>
-              <a:t>‹#›</a:t>
             </a:fld>
             <a:endParaRPr lang="zh-CN" altLang="zh-CN"/>
           </a:p>
         </p:txBody>
       </p:sp>
     </p:spTree>
-    <p:extLst>
-      <p:ext uri="{BB962C8B-B14F-4D97-AF65-F5344CB8AC3E}">
-        <p14:creationId xmlns:p14="http://schemas.microsoft.com/office/powerpoint/2010/main" val="227284901"/>
-      </p:ext>
-    </p:extLst>
   </p:cSld>
   <p:clrMap bg1="lt1" tx1="dk1" bg2="lt2" tx2="dk2" accent1="accent1" accent2="accent2" accent3="accent3" accent4="accent4" accent5="accent5" accent6="accent6" hlink="hlink" folHlink="folHlink"/>
   <p:notesStyle>
@@ -1331,6 +1330,7 @@
               <a:rPr lang="zh-CN" altLang="en-US" dirty="0" smtClean="0"/>
               <a:t>单击此处编辑母版文本样式</a:t>
             </a:r>
+            <a:endParaRPr lang="zh-CN" altLang="en-US" dirty="0" smtClean="0"/>
           </a:p>
           <a:p>
             <a:pPr lvl="1"/>
@@ -1338,6 +1338,7 @@
               <a:rPr lang="zh-CN" altLang="en-US" dirty="0" smtClean="0"/>
               <a:t>第二级</a:t>
             </a:r>
+            <a:endParaRPr lang="zh-CN" altLang="en-US" dirty="0" smtClean="0"/>
           </a:p>
           <a:p>
             <a:pPr lvl="2"/>
@@ -1345,6 +1346,7 @@
               <a:rPr lang="zh-CN" altLang="en-US" dirty="0" smtClean="0"/>
               <a:t>第三级</a:t>
             </a:r>
+            <a:endParaRPr lang="zh-CN" altLang="en-US" dirty="0" smtClean="0"/>
           </a:p>
           <a:p>
             <a:pPr lvl="3"/>
@@ -1352,6 +1354,7 @@
               <a:rPr lang="zh-CN" altLang="en-US" dirty="0" smtClean="0"/>
               <a:t>第四级</a:t>
             </a:r>
+            <a:endParaRPr lang="zh-CN" altLang="en-US" dirty="0" smtClean="0"/>
           </a:p>
         </p:txBody>
       </p:sp>
@@ -1413,6 +1416,7 @@
               <a:rPr lang="zh-CN" altLang="en-US" dirty="0" smtClean="0"/>
               <a:t>单击此处编辑母版文本样式</a:t>
             </a:r>
+            <a:endParaRPr lang="zh-CN" altLang="en-US" dirty="0" smtClean="0"/>
           </a:p>
         </p:txBody>
       </p:sp>
@@ -1469,7 +1473,6 @@
           <a:p>
             <a:fld id="{2030C94F-1E7C-47E3-9C60-176A530B03BF}" type="slidenum">
               <a:rPr lang="en-US" altLang="zh-CN"/>
-              <a:t>‹#›</a:t>
             </a:fld>
             <a:endParaRPr lang="zh-CN" altLang="zh-CN" sz="3200" b="0"/>
           </a:p>
@@ -1560,6 +1563,7 @@
               <a:rPr lang="zh-CN" altLang="en-US" dirty="0" smtClean="0"/>
               <a:t>单击此处编辑母版文本样式</a:t>
             </a:r>
+            <a:endParaRPr lang="zh-CN" altLang="en-US" dirty="0" smtClean="0"/>
           </a:p>
           <a:p>
             <a:pPr lvl="1"/>
@@ -1567,6 +1571,7 @@
               <a:rPr lang="zh-CN" altLang="en-US" dirty="0" smtClean="0"/>
               <a:t>第二级</a:t>
             </a:r>
+            <a:endParaRPr lang="zh-CN" altLang="en-US" dirty="0" smtClean="0"/>
           </a:p>
           <a:p>
             <a:pPr lvl="2"/>
@@ -1574,6 +1579,7 @@
               <a:rPr lang="zh-CN" altLang="en-US" dirty="0" smtClean="0"/>
               <a:t>第三级</a:t>
             </a:r>
+            <a:endParaRPr lang="zh-CN" altLang="en-US" dirty="0" smtClean="0"/>
           </a:p>
           <a:p>
             <a:pPr lvl="3"/>
@@ -1581,6 +1587,7 @@
               <a:rPr lang="zh-CN" altLang="en-US" dirty="0" smtClean="0"/>
               <a:t>第四级</a:t>
             </a:r>
+            <a:endParaRPr lang="zh-CN" altLang="en-US" dirty="0" smtClean="0"/>
           </a:p>
         </p:txBody>
       </p:sp>
@@ -1638,6 +1645,7 @@
               <a:rPr lang="zh-CN" altLang="en-US" dirty="0" smtClean="0"/>
               <a:t>单击此处编辑母版文本样式</a:t>
             </a:r>
+            <a:endParaRPr lang="zh-CN" altLang="en-US" dirty="0" smtClean="0"/>
           </a:p>
         </p:txBody>
       </p:sp>
@@ -1719,6 +1727,7 @@
               <a:rPr lang="zh-CN" altLang="en-US" dirty="0" smtClean="0"/>
               <a:t>单击此处编辑母版文本样式</a:t>
             </a:r>
+            <a:endParaRPr lang="zh-CN" altLang="en-US" dirty="0" smtClean="0"/>
           </a:p>
           <a:p>
             <a:pPr lvl="1"/>
@@ -1726,6 +1735,7 @@
               <a:rPr lang="zh-CN" altLang="en-US" dirty="0" smtClean="0"/>
               <a:t>第二级</a:t>
             </a:r>
+            <a:endParaRPr lang="zh-CN" altLang="en-US" dirty="0" smtClean="0"/>
           </a:p>
           <a:p>
             <a:pPr lvl="2"/>
@@ -1733,6 +1743,7 @@
               <a:rPr lang="zh-CN" altLang="en-US" dirty="0" smtClean="0"/>
               <a:t>第三级</a:t>
             </a:r>
+            <a:endParaRPr lang="zh-CN" altLang="en-US" dirty="0" smtClean="0"/>
           </a:p>
           <a:p>
             <a:pPr lvl="3"/>
@@ -1740,6 +1751,7 @@
               <a:rPr lang="zh-CN" altLang="en-US" dirty="0" smtClean="0"/>
               <a:t>第四级</a:t>
             </a:r>
+            <a:endParaRPr lang="zh-CN" altLang="en-US" dirty="0" smtClean="0"/>
           </a:p>
         </p:txBody>
       </p:sp>
@@ -1797,6 +1809,7 @@
               <a:rPr lang="zh-CN" altLang="en-US" dirty="0" smtClean="0"/>
               <a:t>单击此处编辑母版文本样式</a:t>
             </a:r>
+            <a:endParaRPr lang="zh-CN" altLang="en-US" dirty="0" smtClean="0"/>
           </a:p>
         </p:txBody>
       </p:sp>
@@ -1878,6 +1891,7 @@
               <a:rPr lang="zh-CN" altLang="en-US" dirty="0" smtClean="0"/>
               <a:t>单击此处编辑母版文本样式</a:t>
             </a:r>
+            <a:endParaRPr lang="zh-CN" altLang="en-US" dirty="0" smtClean="0"/>
           </a:p>
           <a:p>
             <a:pPr lvl="1"/>
@@ -1885,6 +1899,7 @@
               <a:rPr lang="zh-CN" altLang="en-US" dirty="0" smtClean="0"/>
               <a:t>第二级</a:t>
             </a:r>
+            <a:endParaRPr lang="zh-CN" altLang="en-US" dirty="0" smtClean="0"/>
           </a:p>
           <a:p>
             <a:pPr lvl="2"/>
@@ -1892,6 +1907,7 @@
               <a:rPr lang="zh-CN" altLang="en-US" dirty="0" smtClean="0"/>
               <a:t>第三级</a:t>
             </a:r>
+            <a:endParaRPr lang="zh-CN" altLang="en-US" dirty="0" smtClean="0"/>
           </a:p>
           <a:p>
             <a:pPr lvl="3"/>
@@ -1899,6 +1915,7 @@
               <a:rPr lang="zh-CN" altLang="en-US" dirty="0" smtClean="0"/>
               <a:t>第四级</a:t>
             </a:r>
+            <a:endParaRPr lang="zh-CN" altLang="en-US" dirty="0" smtClean="0"/>
           </a:p>
         </p:txBody>
       </p:sp>
@@ -1956,6 +1973,7 @@
               <a:rPr lang="zh-CN" altLang="en-US" dirty="0" smtClean="0"/>
               <a:t>单击此处编辑母版文本样式</a:t>
             </a:r>
+            <a:endParaRPr lang="zh-CN" altLang="en-US" dirty="0" smtClean="0"/>
           </a:p>
         </p:txBody>
       </p:sp>
@@ -2037,6 +2055,7 @@
               <a:rPr lang="zh-CN" altLang="en-US" dirty="0" smtClean="0"/>
               <a:t>单击此处编辑母版文本样式</a:t>
             </a:r>
+            <a:endParaRPr lang="zh-CN" altLang="en-US" dirty="0" smtClean="0"/>
           </a:p>
           <a:p>
             <a:pPr lvl="1"/>
@@ -2044,6 +2063,7 @@
               <a:rPr lang="zh-CN" altLang="en-US" dirty="0" smtClean="0"/>
               <a:t>第二级</a:t>
             </a:r>
+            <a:endParaRPr lang="zh-CN" altLang="en-US" dirty="0" smtClean="0"/>
           </a:p>
           <a:p>
             <a:pPr lvl="2"/>
@@ -2051,6 +2071,7 @@
               <a:rPr lang="zh-CN" altLang="en-US" dirty="0" smtClean="0"/>
               <a:t>第三级</a:t>
             </a:r>
+            <a:endParaRPr lang="zh-CN" altLang="en-US" dirty="0" smtClean="0"/>
           </a:p>
           <a:p>
             <a:pPr lvl="3"/>
@@ -2058,6 +2079,7 @@
               <a:rPr lang="zh-CN" altLang="en-US" dirty="0" smtClean="0"/>
               <a:t>第四级</a:t>
             </a:r>
+            <a:endParaRPr lang="zh-CN" altLang="en-US" dirty="0" smtClean="0"/>
           </a:p>
         </p:txBody>
       </p:sp>
@@ -2115,6 +2137,7 @@
               <a:rPr lang="zh-CN" altLang="en-US" dirty="0" smtClean="0"/>
               <a:t>单击此处编辑母版文本样式</a:t>
             </a:r>
+            <a:endParaRPr lang="zh-CN" altLang="en-US" dirty="0" smtClean="0"/>
           </a:p>
         </p:txBody>
       </p:sp>
@@ -2196,6 +2219,7 @@
               <a:rPr lang="zh-CN" altLang="en-US" dirty="0" smtClean="0"/>
               <a:t>单击此处编辑母版文本样式</a:t>
             </a:r>
+            <a:endParaRPr lang="zh-CN" altLang="en-US" dirty="0" smtClean="0"/>
           </a:p>
           <a:p>
             <a:pPr lvl="1"/>
@@ -2203,6 +2227,7 @@
               <a:rPr lang="zh-CN" altLang="en-US" dirty="0" smtClean="0"/>
               <a:t>第二级</a:t>
             </a:r>
+            <a:endParaRPr lang="zh-CN" altLang="en-US" dirty="0" smtClean="0"/>
           </a:p>
           <a:p>
             <a:pPr lvl="2"/>
@@ -2210,6 +2235,7 @@
               <a:rPr lang="zh-CN" altLang="en-US" dirty="0" smtClean="0"/>
               <a:t>第三级</a:t>
             </a:r>
+            <a:endParaRPr lang="zh-CN" altLang="en-US" dirty="0" smtClean="0"/>
           </a:p>
           <a:p>
             <a:pPr lvl="3"/>
@@ -2217,6 +2243,7 @@
               <a:rPr lang="zh-CN" altLang="en-US" dirty="0" smtClean="0"/>
               <a:t>第四级</a:t>
             </a:r>
+            <a:endParaRPr lang="zh-CN" altLang="en-US" dirty="0" smtClean="0"/>
           </a:p>
         </p:txBody>
       </p:sp>
@@ -2274,6 +2301,7 @@
               <a:rPr lang="zh-CN" altLang="en-US" dirty="0" smtClean="0"/>
               <a:t>单击此处编辑母版文本样式</a:t>
             </a:r>
+            <a:endParaRPr lang="zh-CN" altLang="en-US" dirty="0" smtClean="0"/>
           </a:p>
         </p:txBody>
       </p:sp>
@@ -2355,6 +2383,7 @@
               <a:rPr lang="zh-CN" altLang="en-US" dirty="0" smtClean="0"/>
               <a:t>单击此处编辑母版文本样式</a:t>
             </a:r>
+            <a:endParaRPr lang="zh-CN" altLang="en-US" dirty="0" smtClean="0"/>
           </a:p>
           <a:p>
             <a:pPr lvl="1"/>
@@ -2362,6 +2391,7 @@
               <a:rPr lang="zh-CN" altLang="en-US" dirty="0" smtClean="0"/>
               <a:t>第二级</a:t>
             </a:r>
+            <a:endParaRPr lang="zh-CN" altLang="en-US" dirty="0" smtClean="0"/>
           </a:p>
           <a:p>
             <a:pPr lvl="2"/>
@@ -2369,6 +2399,7 @@
               <a:rPr lang="zh-CN" altLang="en-US" dirty="0" smtClean="0"/>
               <a:t>第三级</a:t>
             </a:r>
+            <a:endParaRPr lang="zh-CN" altLang="en-US" dirty="0" smtClean="0"/>
           </a:p>
           <a:p>
             <a:pPr lvl="3"/>
@@ -2376,6 +2407,7 @@
               <a:rPr lang="zh-CN" altLang="en-US" dirty="0" smtClean="0"/>
               <a:t>第四级</a:t>
             </a:r>
+            <a:endParaRPr lang="zh-CN" altLang="en-US" dirty="0" smtClean="0"/>
           </a:p>
         </p:txBody>
       </p:sp>
@@ -2433,6 +2465,7 @@
               <a:rPr lang="zh-CN" altLang="en-US" dirty="0" smtClean="0"/>
               <a:t>单击此处编辑母版文本样式</a:t>
             </a:r>
+            <a:endParaRPr lang="zh-CN" altLang="en-US" dirty="0" smtClean="0"/>
           </a:p>
         </p:txBody>
       </p:sp>
@@ -2526,6 +2559,7 @@
               <a:rPr lang="zh-CN" altLang="en-US" dirty="0" smtClean="0"/>
               <a:t>单击此处编辑母版文本样式</a:t>
             </a:r>
+            <a:endParaRPr lang="zh-CN" altLang="en-US" dirty="0" smtClean="0"/>
           </a:p>
           <a:p>
             <a:pPr lvl="1"/>
@@ -2533,6 +2567,7 @@
               <a:rPr lang="zh-CN" altLang="en-US" dirty="0" smtClean="0"/>
               <a:t>第二级</a:t>
             </a:r>
+            <a:endParaRPr lang="zh-CN" altLang="en-US" dirty="0" smtClean="0"/>
           </a:p>
           <a:p>
             <a:pPr lvl="2"/>
@@ -2540,6 +2575,7 @@
               <a:rPr lang="zh-CN" altLang="en-US" dirty="0" smtClean="0"/>
               <a:t>第三级</a:t>
             </a:r>
+            <a:endParaRPr lang="zh-CN" altLang="en-US" dirty="0" smtClean="0"/>
           </a:p>
           <a:p>
             <a:pPr lvl="3"/>
@@ -2547,6 +2583,7 @@
               <a:rPr lang="zh-CN" altLang="en-US" dirty="0" smtClean="0"/>
               <a:t>第四级</a:t>
             </a:r>
+            <a:endParaRPr lang="zh-CN" altLang="en-US" dirty="0" smtClean="0"/>
           </a:p>
         </p:txBody>
       </p:sp>
@@ -2608,6 +2645,7 @@
               <a:rPr lang="zh-CN" altLang="en-US" dirty="0" smtClean="0"/>
               <a:t>单击此处编辑母版文本样式</a:t>
             </a:r>
+            <a:endParaRPr lang="zh-CN" altLang="en-US" dirty="0" smtClean="0"/>
           </a:p>
         </p:txBody>
       </p:sp>
@@ -2632,7 +2670,7 @@
     <p:bg bwMode="auto">
       <p:bgPr>
         <a:blipFill dpi="0" rotWithShape="0">
-          <a:blip r:embed="rId11"/>
+          <a:blip r:embed="rId10"/>
           <a:srcRect/>
           <a:stretch>
             <a:fillRect/>
@@ -2691,7 +2729,6 @@
           <a:p>
             <a:fld id="{43A45880-9E2A-43E4-955C-AEB11E14255E}" type="slidenum">
               <a:rPr lang="en-US" altLang="zh-CN"/>
-              <a:t>‹#›</a:t>
             </a:fld>
             <a:endParaRPr lang="zh-CN" altLang="zh-CN"/>
           </a:p>
@@ -2706,7 +2743,7 @@
           <p:nvPr/>
         </p:nvPicPr>
         <p:blipFill>
-          <a:blip r:embed="rId12">
+          <a:blip r:embed="rId11">
             <a:extLst>
               <a:ext uri="{28A0092B-C50C-407E-A947-70E740481C1C}">
                 <a14:useLocalDpi xmlns:a14="http://schemas.microsoft.com/office/drawing/2010/main" val="0"/>
@@ -2760,7 +2797,7 @@
           <p:nvPr/>
         </p:nvPicPr>
         <p:blipFill>
-          <a:blip r:embed="rId13">
+          <a:blip r:embed="rId12">
             <a:extLst>
               <a:ext uri="{28A0092B-C50C-407E-A947-70E740481C1C}">
                 <a14:useLocalDpi xmlns:a14="http://schemas.microsoft.com/office/drawing/2010/main" val="0"/>
@@ -3273,7 +3310,7 @@
           <p:nvPr/>
         </p:nvPicPr>
         <p:blipFill>
-          <a:blip r:embed="rId2">
+          <a:blip r:embed="rId1">
             <a:extLst>
               <a:ext uri="{28A0092B-C50C-407E-A947-70E740481C1C}">
                 <a14:useLocalDpi xmlns:a14="http://schemas.microsoft.com/office/drawing/2010/main" val="0"/>
@@ -3541,6 +3578,7 @@
               <a:rPr lang="zh-CN"/>
               <a:t>异步与网络数据交互</a:t>
             </a:r>
+            <a:endParaRPr lang="zh-CN"/>
           </a:p>
         </p:txBody>
       </p:sp>
@@ -3553,7 +3591,7 @@
           <p:nvPr/>
         </p:nvPicPr>
         <p:blipFill>
-          <a:blip r:embed="rId3">
+          <a:blip r:embed="rId2">
             <a:extLst>
               <a:ext uri="{28A0092B-C50C-407E-A947-70E740481C1C}">
                 <a14:useLocalDpi xmlns:a14="http://schemas.microsoft.com/office/drawing/2010/main" val="0"/>
@@ -3674,15 +3712,6 @@
               </a:rPr>
               <a:t>对象的属性</a:t>
             </a:r>
-            <a:r>
-              <a:rPr lang="zh-CN" altLang="en-US" sz="2000" dirty="0">
-                <a:solidFill>
-                  <a:schemeClr val="tx1"/>
-                </a:solidFill>
-                <a:sym typeface="+mn-ea"/>
-              </a:rPr>
-              <a:t/>
-            </a:r>
             <a:br>
               <a:rPr lang="zh-CN" altLang="en-US" sz="2000" dirty="0">
                 <a:solidFill>
@@ -3740,7 +3769,7 @@
           <p:nvPr/>
         </p:nvPicPr>
         <p:blipFill>
-          <a:blip r:embed="rId3"/>
+          <a:blip r:embed="rId1"/>
           <a:stretch>
             <a:fillRect/>
           </a:stretch>
@@ -4038,15 +4067,6 @@
               </a:rPr>
               <a:t>对象的方法 一</a:t>
             </a:r>
-            <a:r>
-              <a:rPr lang="zh-CN" altLang="en-US" sz="2000" dirty="0">
-                <a:solidFill>
-                  <a:schemeClr val="tx1"/>
-                </a:solidFill>
-                <a:sym typeface="+mn-ea"/>
-              </a:rPr>
-              <a:t/>
-            </a:r>
             <a:br>
               <a:rPr lang="zh-CN" altLang="en-US" sz="2000" dirty="0">
                 <a:solidFill>
@@ -4104,7 +4124,7 @@
           <p:nvPr/>
         </p:nvPicPr>
         <p:blipFill>
-          <a:blip r:embed="rId3"/>
+          <a:blip r:embed="rId1"/>
           <a:srcRect b="43690"/>
           <a:stretch>
             <a:fillRect/>
@@ -4403,15 +4423,6 @@
               </a:rPr>
               <a:t>对象的方法 二</a:t>
             </a:r>
-            <a:r>
-              <a:rPr lang="zh-CN" altLang="en-US" sz="2000" dirty="0">
-                <a:solidFill>
-                  <a:schemeClr val="tx1"/>
-                </a:solidFill>
-                <a:sym typeface="+mn-ea"/>
-              </a:rPr>
-              <a:t/>
-            </a:r>
             <a:br>
               <a:rPr lang="zh-CN" altLang="en-US" sz="2000" dirty="0">
                 <a:solidFill>
@@ -4469,7 +4480,7 @@
           <p:nvPr/>
         </p:nvPicPr>
         <p:blipFill>
-          <a:blip r:embed="rId3"/>
+          <a:blip r:embed="rId1"/>
           <a:srcRect t="55848"/>
           <a:stretch>
             <a:fillRect/>
@@ -4891,7 +4902,7 @@
           <p:nvPr/>
         </p:nvPicPr>
         <p:blipFill>
-          <a:blip r:embed="rId2">
+          <a:blip r:embed="rId1">
             <a:extLst>
               <a:ext uri="{28A0092B-C50C-407E-A947-70E740481C1C}">
                 <a14:useLocalDpi xmlns:a14="http://schemas.microsoft.com/office/drawing/2010/main" val="0"/>
@@ -5009,7 +5020,7 @@
           <p:nvPr/>
         </p:nvPicPr>
         <p:blipFill>
-          <a:blip r:embed="rId3">
+          <a:blip r:embed="rId2">
             <a:extLst>
               <a:ext uri="{28A0092B-C50C-407E-A947-70E740481C1C}">
                 <a14:useLocalDpi xmlns:a14="http://schemas.microsoft.com/office/drawing/2010/main" val="0"/>
@@ -5120,6 +5131,70 @@
               </a:rPr>
               <a:t>复习本章内容</a:t>
             </a:r>
+            <a:endParaRPr lang="zh-CN" altLang="en-US" sz="3200" dirty="0">
+              <a:solidFill>
+                <a:schemeClr val="tx1"/>
+              </a:solidFill>
+              <a:sym typeface="+mn-ea"/>
+            </a:endParaRPr>
+          </a:p>
+          <a:p>
+            <a:pPr>
+              <a:lnSpc>
+                <a:spcPct val="150000"/>
+              </a:lnSpc>
+            </a:pPr>
+            <a:r>
+              <a:rPr lang="zh-CN" altLang="en-US" sz="3200" dirty="0">
+                <a:solidFill>
+                  <a:schemeClr val="tx1"/>
+                </a:solidFill>
+                <a:sym typeface="+mn-ea"/>
+              </a:rPr>
+              <a:t>查阅</a:t>
+            </a:r>
+            <a:r>
+              <a:rPr lang="en-US" altLang="zh-CN" sz="3200" dirty="0">
+                <a:solidFill>
+                  <a:schemeClr val="tx1"/>
+                </a:solidFill>
+                <a:sym typeface="+mn-ea"/>
+              </a:rPr>
+              <a:t>jQuery</a:t>
+            </a:r>
+            <a:r>
+              <a:rPr lang="zh-CN" altLang="en-US" sz="3200" dirty="0">
+                <a:solidFill>
+                  <a:schemeClr val="tx1"/>
+                </a:solidFill>
+                <a:sym typeface="+mn-ea"/>
+              </a:rPr>
+              <a:t>中</a:t>
+            </a:r>
+            <a:r>
+              <a:rPr lang="en-US" altLang="zh-CN" sz="3200" dirty="0">
+                <a:solidFill>
+                  <a:schemeClr val="tx1"/>
+                </a:solidFill>
+                <a:sym typeface="+mn-ea"/>
+              </a:rPr>
+              <a:t>ajax</a:t>
+            </a:r>
+            <a:r>
+              <a:rPr lang="zh-CN" altLang="en-US" sz="3200" dirty="0">
+                <a:solidFill>
+                  <a:schemeClr val="tx1"/>
+                </a:solidFill>
+                <a:sym typeface="+mn-ea"/>
+              </a:rPr>
+              <a:t>请求的实现方法</a:t>
+            </a:r>
+            <a:endParaRPr lang="zh-CN" altLang="en-US" sz="3200" dirty="0">
+              <a:solidFill>
+                <a:schemeClr val="tx1"/>
+              </a:solidFill>
+              <a:sym typeface="+mn-ea"/>
+            </a:endParaRPr>
           </a:p>
           <a:p>
             <a:pPr>
@@ -5227,6 +5302,7 @@
               <a:rPr lang="zh-CN" altLang="en-US" dirty="0"/>
               <a:t>作业</a:t>
             </a:r>
+            <a:endParaRPr lang="zh-CN" altLang="en-US" dirty="0"/>
           </a:p>
         </p:txBody>
       </p:sp>
@@ -5442,6 +5518,12 @@
               </a:rPr>
               <a:t>异步相关概念</a:t>
             </a:r>
+            <a:endParaRPr lang="zh-CN" altLang="en-US" sz="2800" b="1">
+              <a:solidFill>
+                <a:srgbClr val="FF0000"/>
+              </a:solidFill>
+              <a:sym typeface="+mn-ea"/>
+            </a:endParaRPr>
           </a:p>
           <a:p>
             <a:pPr algn="l">
@@ -5478,6 +5560,12 @@
               </a:rPr>
               <a:t>异步的几种形式</a:t>
             </a:r>
+            <a:endParaRPr lang="zh-CN" altLang="en-US" sz="2800" b="1">
+              <a:solidFill>
+                <a:schemeClr val="tx1"/>
+              </a:solidFill>
+              <a:sym typeface="+mn-ea"/>
+            </a:endParaRPr>
           </a:p>
           <a:p>
             <a:pPr algn="l">
@@ -5514,6 +5602,12 @@
               </a:rPr>
               <a:t>异步与数据交互</a:t>
             </a:r>
+            <a:endParaRPr lang="zh-CN" altLang="en-US" sz="2800" b="1">
+              <a:solidFill>
+                <a:schemeClr val="tx1"/>
+              </a:solidFill>
+              <a:sym typeface="+mn-ea"/>
+            </a:endParaRPr>
           </a:p>
         </p:txBody>
       </p:sp>
@@ -5923,6 +6017,12 @@
               </a:rPr>
               <a:t>的，完成所有任务还要配合其他线程</a:t>
             </a:r>
+            <a:endParaRPr lang="zh-CN" altLang="en-US" sz="2000" dirty="0">
+              <a:solidFill>
+                <a:schemeClr val="tx1"/>
+              </a:solidFill>
+              <a:sym typeface="+mn-ea"/>
+            </a:endParaRPr>
           </a:p>
           <a:p>
             <a:pPr>
@@ -5973,6 +6073,12 @@
               </a:rPr>
               <a:t>- 非阻塞调用指在不能立刻得到结果之前，该调用不会阻塞当前线程</a:t>
             </a:r>
+            <a:endParaRPr lang="en-US" altLang="zh-CN" sz="2000" dirty="0">
+              <a:solidFill>
+                <a:schemeClr val="tx1"/>
+              </a:solidFill>
+              <a:sym typeface="+mn-ea"/>
+            </a:endParaRPr>
           </a:p>
           <a:p>
             <a:pPr>
@@ -5988,15 +6094,6 @@
                 <a:sym typeface="+mn-ea"/>
               </a:rPr>
               <a:t>串行与并行（区别于并发）</a:t>
-            </a:r>
-            <a:r>
-              <a:rPr lang="zh-CN" altLang="en-US" sz="2000" dirty="0">
-                <a:solidFill>
-                  <a:schemeClr val="tx1"/>
-                </a:solidFill>
-                <a:sym typeface="+mn-ea"/>
-              </a:rPr>
-              <a:t/>
             </a:r>
             <a:br>
               <a:rPr lang="zh-CN" altLang="en-US" sz="2000" dirty="0">
@@ -6621,15 +6718,6 @@
               </a:rPr>
               <a:t>中的任务主要分为两种）</a:t>
             </a:r>
-            <a:r>
-              <a:rPr lang="zh-CN" altLang="en-US" sz="2000" dirty="0">
-                <a:solidFill>
-                  <a:schemeClr val="tx1"/>
-                </a:solidFill>
-                <a:sym typeface="+mn-ea"/>
-              </a:rPr>
-              <a:t/>
-            </a:r>
             <a:br>
               <a:rPr lang="zh-CN" altLang="en-US" sz="2000" dirty="0">
                 <a:solidFill>
@@ -6735,7 +6823,7 @@
           <p:nvPr/>
         </p:nvPicPr>
         <p:blipFill>
-          <a:blip r:embed="rId3"/>
+          <a:blip r:embed="rId1"/>
           <a:stretch>
             <a:fillRect/>
           </a:stretch>
@@ -6796,6 +6884,11 @@
               </a:rPr>
               <a:t>https://segmentfault.com/a/1190000004322358</a:t>
             </a:r>
+            <a:endParaRPr sz="2000">
+              <a:solidFill>
+                <a:srgbClr val="FF0000"/>
+              </a:solidFill>
+            </a:endParaRPr>
           </a:p>
         </p:txBody>
       </p:sp>
@@ -7313,6 +7406,12 @@
               </a:rPr>
               <a:t>异步相关概念</a:t>
             </a:r>
+            <a:endParaRPr lang="zh-CN" altLang="en-US" sz="2800" b="1">
+              <a:solidFill>
+                <a:schemeClr val="tx1"/>
+              </a:solidFill>
+              <a:sym typeface="+mn-ea"/>
+            </a:endParaRPr>
           </a:p>
           <a:p>
             <a:pPr algn="l">
@@ -7349,6 +7448,12 @@
               </a:rPr>
               <a:t>异步的几种形式</a:t>
             </a:r>
+            <a:endParaRPr lang="zh-CN" altLang="en-US" sz="2800" b="1">
+              <a:solidFill>
+                <a:schemeClr val="accent3"/>
+              </a:solidFill>
+              <a:sym typeface="+mn-ea"/>
+            </a:endParaRPr>
           </a:p>
           <a:p>
             <a:pPr algn="l">
@@ -7385,6 +7490,12 @@
               </a:rPr>
               <a:t>异步与数据交互案例</a:t>
             </a:r>
+            <a:endParaRPr lang="zh-CN" altLang="en-US" sz="2800" b="1">
+              <a:solidFill>
+                <a:schemeClr val="tx1"/>
+              </a:solidFill>
+              <a:sym typeface="+mn-ea"/>
+            </a:endParaRPr>
           </a:p>
         </p:txBody>
       </p:sp>
@@ -7759,6 +7870,12 @@
               </a:rPr>
               <a:t>             每个任务只能指定一个回调函数</a:t>
             </a:r>
+            <a:endParaRPr lang="zh-CN" altLang="en-US" sz="2000" dirty="0">
+              <a:solidFill>
+                <a:schemeClr val="tx1"/>
+              </a:solidFill>
+              <a:sym typeface="+mn-ea"/>
+            </a:endParaRPr>
           </a:p>
           <a:p>
             <a:pPr>
@@ -7800,15 +7917,6 @@
                 <a:sym typeface="+mn-ea"/>
               </a:rPr>
               <a:t>任务的执行不取决于代码的顺序执行，而取决于某个事件是否发生</a:t>
-            </a:r>
-            <a:r>
-              <a:rPr lang="zh-CN" altLang="en-US" sz="3200" dirty="0">
-                <a:solidFill>
-                  <a:schemeClr val="tx1"/>
-                </a:solidFill>
-                <a:sym typeface="+mn-ea"/>
-              </a:rPr>
-              <a:t/>
             </a:r>
             <a:br>
               <a:rPr lang="zh-CN" altLang="en-US" sz="3200" dirty="0">
@@ -8416,15 +8524,6 @@
               </a:rPr>
               <a:t>   同时监听某一个主题对象，当一个对象发生改变时，所有依赖于它的对象都将得到通知</a:t>
             </a:r>
-            <a:r>
-              <a:rPr lang="zh-CN" altLang="en-US" sz="2000" dirty="0">
-                <a:solidFill>
-                  <a:schemeClr val="tx1"/>
-                </a:solidFill>
-                <a:sym typeface="+mn-ea"/>
-              </a:rPr>
-              <a:t/>
-            </a:r>
             <a:br>
               <a:rPr lang="zh-CN" altLang="en-US" sz="2000" dirty="0">
                 <a:solidFill>
@@ -8549,6 +8648,12 @@
               </a:rPr>
               <a:t>   多少信号、每个信号有多少订阅者，从而监控程序的运行</a:t>
             </a:r>
+            <a:endParaRPr lang="zh-CN" altLang="en-US" sz="2000" dirty="0">
+              <a:solidFill>
+                <a:schemeClr val="tx1"/>
+              </a:solidFill>
+              <a:sym typeface="+mn-ea"/>
+            </a:endParaRPr>
           </a:p>
           <a:p>
             <a:pPr>
@@ -8564,15 +8669,6 @@
                 <a:sym typeface="+mn-ea"/>
               </a:rPr>
               <a:t>Promise</a:t>
-            </a:r>
-            <a:r>
-              <a:rPr lang="zh-CN" altLang="en-US" sz="3200" dirty="0">
-                <a:solidFill>
-                  <a:schemeClr val="tx1"/>
-                </a:solidFill>
-                <a:sym typeface="+mn-ea"/>
-              </a:rPr>
-              <a:t/>
             </a:r>
             <a:br>
               <a:rPr lang="zh-CN" altLang="en-US" sz="3200" dirty="0">
@@ -9310,6 +9406,12 @@
               </a:rPr>
               <a:t>异步相关概念</a:t>
             </a:r>
+            <a:endParaRPr lang="zh-CN" altLang="en-US" sz="2800" b="1">
+              <a:solidFill>
+                <a:schemeClr val="tx1"/>
+              </a:solidFill>
+              <a:sym typeface="+mn-ea"/>
+            </a:endParaRPr>
           </a:p>
           <a:p>
             <a:pPr algn="l">
@@ -9346,6 +9448,12 @@
               </a:rPr>
               <a:t>异步的几种形式</a:t>
             </a:r>
+            <a:endParaRPr lang="zh-CN" altLang="en-US" sz="2800" b="1">
+              <a:solidFill>
+                <a:schemeClr val="tx1"/>
+              </a:solidFill>
+              <a:sym typeface="+mn-ea"/>
+            </a:endParaRPr>
           </a:p>
           <a:p>
             <a:pPr algn="l">
@@ -9382,6 +9490,12 @@
               </a:rPr>
               <a:t>异步与数据交互案例</a:t>
             </a:r>
+            <a:endParaRPr lang="zh-CN" altLang="en-US" sz="2800" b="1">
+              <a:solidFill>
+                <a:srgbClr val="FF0000"/>
+              </a:solidFill>
+              <a:sym typeface="+mn-ea"/>
+            </a:endParaRPr>
           </a:p>
         </p:txBody>
       </p:sp>
@@ -9669,15 +9783,6 @@
               </a:rPr>
               <a:t>Ajax</a:t>
             </a:r>
-            <a:r>
-              <a:rPr lang="zh-CN" sz="3200" dirty="0">
-                <a:solidFill>
-                  <a:schemeClr val="tx1"/>
-                </a:solidFill>
-                <a:sym typeface="+mn-ea"/>
-              </a:rPr>
-              <a:t/>
-            </a:r>
             <a:br>
               <a:rPr lang="zh-CN" sz="3200" dirty="0">
                 <a:solidFill>
@@ -9863,6 +9968,12 @@
               </a:rPr>
               <a:t>对象等）</a:t>
             </a:r>
+            <a:endParaRPr lang="zh-CN" altLang="en-US" sz="2000" dirty="0">
+              <a:solidFill>
+                <a:schemeClr val="tx1"/>
+              </a:solidFill>
+              <a:sym typeface="+mn-ea"/>
+            </a:endParaRPr>
           </a:p>
           <a:p>
             <a:pPr>
@@ -9879,15 +9990,6 @@
               </a:rPr>
               <a:t>XMLHttpRequest</a:t>
             </a:r>
-            <a:r>
-              <a:rPr lang="zh-CN" altLang="en-US" sz="3200" dirty="0">
-                <a:solidFill>
-                  <a:schemeClr val="tx1"/>
-                </a:solidFill>
-                <a:sym typeface="+mn-ea"/>
-              </a:rPr>
-              <a:t/>
-            </a:r>
             <a:br>
               <a:rPr lang="zh-CN" altLang="en-US" sz="3200" dirty="0">
                 <a:solidFill>
@@ -10000,15 +10102,6 @@
                 <a:sym typeface="+mn-ea"/>
               </a:rPr>
               <a:t>http://blog.csdn.net/Huang_Cai_Yuan/article/details/54881407</a:t>
-            </a:r>
-            <a:r>
-              <a:rPr lang="zh-CN" altLang="en-US" sz="2000" dirty="0">
-                <a:solidFill>
-                  <a:schemeClr val="tx1"/>
-                </a:solidFill>
-                <a:sym typeface="+mn-ea"/>
-              </a:rPr>
-              <a:t/>
             </a:r>
             <a:br>
               <a:rPr lang="zh-CN" altLang="en-US" sz="2000" dirty="0">
@@ -10803,10 +10896,9 @@
       </a:lstStyle>
     </a:lnDef>
   </a:objectDefaults>
-  <a:extraClrSchemeLst/>
   <a:extLst>
     <a:ext uri="{05A4C25C-085E-4340-85A3-A5531E510DB2}">
-      <thm15:themeFamily xmlns:thm15="http://schemas.microsoft.com/office/thememl/2012/main" xmlns="" name="Office Theme" id="{62F939B6-93AF-4DB8-9C6B-D6C7DFDC589F}" vid="{4A3C46E8-61CC-4603-A589-7422A47A8E4A}"/>
+      <thm15:themeFamily xmlns:thm15="http://schemas.microsoft.com/office/thememl/2012/main" name="Office Theme" id="{62F939B6-93AF-4DB8-9C6B-D6C7DFDC589F}" vid="{4A3C46E8-61CC-4603-A589-7422A47A8E4A}"/>
     </a:ext>
   </a:extLst>
 </a:theme>
@@ -11090,11 +11182,9 @@
       </a:bgFillStyleLst>
     </a:fmtScheme>
   </a:themeElements>
-  <a:objectDefaults/>
-  <a:extraClrSchemeLst/>
   <a:extLst>
     <a:ext uri="{05A4C25C-085E-4340-85A3-A5531E510DB2}">
-      <thm15:themeFamily xmlns:thm15="http://schemas.microsoft.com/office/thememl/2012/main" xmlns="" name="Office Theme" id="{62F939B6-93AF-4DB8-9C6B-D6C7DFDC589F}" vid="{4A3C46E8-61CC-4603-A589-7422A47A8E4A}"/>
+      <thm15:themeFamily xmlns:thm15="http://schemas.microsoft.com/office/thememl/2012/main" name="Office Theme" id="{62F939B6-93AF-4DB8-9C6B-D6C7DFDC589F}" vid="{4A3C46E8-61CC-4603-A589-7422A47A8E4A}"/>
     </a:ext>
   </a:extLst>
 </a:theme>

--- a/课程PPT/26.JS异步与网络数据交互.pptx
+++ b/课程PPT/26.JS异步与网络数据交互.pptx
@@ -5203,13 +5203,22 @@
               </a:lnSpc>
             </a:pPr>
             <a:r>
+              <a:rPr lang="zh-CN" altLang="en-US" sz="3200" dirty="0">
+                <a:solidFill>
+                  <a:schemeClr val="tx1"/>
+                </a:solidFill>
+                <a:sym typeface="+mn-ea"/>
+              </a:rPr>
+              <a:t>查看慕课网</a:t>
+            </a:r>
+            <a:r>
               <a:rPr lang="en-US" altLang="zh-CN" sz="3200" dirty="0">
                 <a:solidFill>
                   <a:schemeClr val="tx1"/>
                 </a:solidFill>
                 <a:sym typeface="+mn-ea"/>
               </a:rPr>
-              <a:t>FreeCodeCamp</a:t>
+              <a:t>ajax</a:t>
             </a:r>
             <a:r>
               <a:rPr lang="zh-CN" altLang="en-US" sz="3200" dirty="0">
@@ -5218,25 +5227,24 @@
                 </a:solidFill>
                 <a:sym typeface="+mn-ea"/>
               </a:rPr>
-              <a:t>中的</a:t>
-            </a:r>
-            <a:r>
-              <a:rPr lang="en-US" altLang="zh-CN" sz="3200" dirty="0">
-                <a:solidFill>
-                  <a:schemeClr val="tx1"/>
-                </a:solidFill>
-                <a:sym typeface="+mn-ea"/>
-              </a:rPr>
-              <a:t>Ajax</a:t>
-            </a:r>
-            <a:r>
+              <a:t>相关内容，链接如下：</a:t>
+            </a:r>
+            <a:br>
               <a:rPr lang="zh-CN" altLang="en-US" sz="3200" dirty="0">
                 <a:solidFill>
                   <a:schemeClr val="tx1"/>
                 </a:solidFill>
                 <a:sym typeface="+mn-ea"/>
               </a:rPr>
-              <a:t>任务</a:t>
+            </a:br>
+            <a:r>
+              <a:rPr lang="zh-CN" altLang="en-US" sz="3200" dirty="0">
+                <a:solidFill>
+                  <a:schemeClr val="tx1"/>
+                </a:solidFill>
+                <a:sym typeface="+mn-ea"/>
+              </a:rPr>
+              <a:t>https://www.imooc.com/learn/250</a:t>
             </a:r>
             <a:br>
               <a:rPr lang="zh-CN" altLang="en-US" sz="3200" dirty="0">
@@ -6073,28 +6081,6 @@
               </a:rPr>
               <a:t>- 非阻塞调用指在不能立刻得到结果之前，该调用不会阻塞当前线程</a:t>
             </a:r>
-            <a:endParaRPr lang="en-US" altLang="zh-CN" sz="2000" dirty="0">
-              <a:solidFill>
-                <a:schemeClr val="tx1"/>
-              </a:solidFill>
-              <a:sym typeface="+mn-ea"/>
-            </a:endParaRPr>
-          </a:p>
-          <a:p>
-            <a:pPr>
-              <a:lnSpc>
-                <a:spcPct val="150000"/>
-              </a:lnSpc>
-            </a:pPr>
-            <a:r>
-              <a:rPr lang="zh-CN" sz="3200" dirty="0">
-                <a:solidFill>
-                  <a:schemeClr val="tx1"/>
-                </a:solidFill>
-                <a:sym typeface="+mn-ea"/>
-              </a:rPr>
-              <a:t>串行与并行（区别于并发）</a:t>
-            </a:r>
             <a:br>
               <a:rPr lang="zh-CN" altLang="en-US" sz="2000" dirty="0">
                 <a:solidFill>
@@ -6147,7 +6133,7 @@
         </p:nvSpPr>
         <p:spPr>
           <a:xfrm>
-            <a:off x="6018530" y="6180455"/>
+            <a:off x="6018530" y="6108700"/>
             <a:ext cx="4253230" cy="398780"/>
           </a:xfrm>
           <a:prstGeom prst="rect">
@@ -6433,124 +6419,21 @@
                             </p:childTnLst>
                           </p:cTn>
                         </p:par>
-                      </p:childTnLst>
-                    </p:cTn>
-                  </p:par>
-                  <p:par>
-                    <p:cTn id="15" fill="hold">
-                      <p:stCondLst>
-                        <p:cond delay="indefinite"/>
-                      </p:stCondLst>
-                      <p:childTnLst>
                         <p:par>
-                          <p:cTn id="16" fill="hold">
+                          <p:cTn id="15" fill="hold">
                             <p:stCondLst>
-                              <p:cond delay="0"/>
+                              <p:cond delay="500"/>
                             </p:stCondLst>
                             <p:childTnLst>
                               <p:par>
-                                <p:cTn id="17" presetID="2" presetClass="entr" presetSubtype="4" fill="hold" nodeType="clickEffect">
+                                <p:cTn id="16" presetID="2" presetClass="entr" presetSubtype="4" fill="hold" grpId="0" nodeType="afterEffect">
                                   <p:stCondLst>
                                     <p:cond delay="0"/>
                                   </p:stCondLst>
                                   <p:childTnLst>
                                     <p:set>
                                       <p:cBhvr>
-                                        <p:cTn id="18" dur="1" fill="hold">
-                                          <p:stCondLst>
-                                            <p:cond delay="0"/>
-                                          </p:stCondLst>
-                                        </p:cTn>
-                                        <p:tgtEl>
-                                          <p:spTgt spid="2">
-                                            <p:txEl>
-                                              <p:pRg st="2" end="2"/>
-                                            </p:txEl>
-                                          </p:spTgt>
-                                        </p:tgtEl>
-                                        <p:attrNameLst>
-                                          <p:attrName>style.visibility</p:attrName>
-                                        </p:attrNameLst>
-                                      </p:cBhvr>
-                                      <p:to>
-                                        <p:strVal val="visible"/>
-                                      </p:to>
-                                    </p:set>
-                                    <p:anim calcmode="lin" valueType="num">
-                                      <p:cBhvr additive="base">
-                                        <p:cTn id="19" dur="500" fill="hold"/>
-                                        <p:tgtEl>
-                                          <p:spTgt spid="2">
-                                            <p:txEl>
-                                              <p:pRg st="2" end="2"/>
-                                            </p:txEl>
-                                          </p:spTgt>
-                                        </p:tgtEl>
-                                        <p:attrNameLst>
-                                          <p:attrName>ppt_x</p:attrName>
-                                        </p:attrNameLst>
-                                      </p:cBhvr>
-                                      <p:tavLst>
-                                        <p:tav tm="0">
-                                          <p:val>
-                                            <p:strVal val="#ppt_x"/>
-                                          </p:val>
-                                        </p:tav>
-                                        <p:tav tm="100000">
-                                          <p:val>
-                                            <p:strVal val="#ppt_x"/>
-                                          </p:val>
-                                        </p:tav>
-                                      </p:tavLst>
-                                    </p:anim>
-                                    <p:anim calcmode="lin" valueType="num">
-                                      <p:cBhvr additive="base">
-                                        <p:cTn id="20" dur="500" fill="hold"/>
-                                        <p:tgtEl>
-                                          <p:spTgt spid="2">
-                                            <p:txEl>
-                                              <p:pRg st="2" end="2"/>
-                                            </p:txEl>
-                                          </p:spTgt>
-                                        </p:tgtEl>
-                                        <p:attrNameLst>
-                                          <p:attrName>ppt_y</p:attrName>
-                                        </p:attrNameLst>
-                                      </p:cBhvr>
-                                      <p:tavLst>
-                                        <p:tav tm="0">
-                                          <p:val>
-                                            <p:strVal val="1+#ppt_h/2"/>
-                                          </p:val>
-                                        </p:tav>
-                                        <p:tav tm="100000">
-                                          <p:val>
-                                            <p:strVal val="#ppt_y"/>
-                                          </p:val>
-                                        </p:tav>
-                                      </p:tavLst>
-                                    </p:anim>
-                                  </p:childTnLst>
-                                </p:cTn>
-                              </p:par>
-                            </p:childTnLst>
-                          </p:cTn>
-                        </p:par>
-                        <p:par>
-                          <p:cTn id="21" fill="hold">
-                            <p:stCondLst>
-                              <p:cond delay="500"/>
-                            </p:stCondLst>
-                            <p:childTnLst>
-                              <p:par>
-                                <p:cTn id="22" presetID="2" presetClass="entr" presetSubtype="4" fill="hold" grpId="0" nodeType="afterEffect">
-                                  <p:stCondLst>
-                                    <p:cond delay="0"/>
-                                  </p:stCondLst>
-                                  <p:childTnLst>
-                                    <p:set>
-                                      <p:cBhvr>
-                                        <p:cTn id="23" dur="1" fill="hold">
+                                        <p:cTn id="17" dur="1" fill="hold">
                                           <p:stCondLst>
                                             <p:cond delay="0"/>
                                           </p:stCondLst>
@@ -6568,7 +6451,7 @@
                                     </p:set>
                                     <p:anim calcmode="lin" valueType="num">
                                       <p:cBhvr additive="base">
-                                        <p:cTn id="24" dur="500" fill="hold"/>
+                                        <p:cTn id="18" dur="500" fill="hold"/>
                                         <p:tgtEl>
                                           <p:spTgt spid="4"/>
                                         </p:tgtEl>
@@ -6591,7 +6474,7 @@
                                     </p:anim>
                                     <p:anim calcmode="lin" valueType="num">
                                       <p:cBhvr additive="base">
-                                        <p:cTn id="25" dur="500" fill="hold"/>
+                                        <p:cTn id="19" dur="500" fill="hold"/>
                                         <p:tgtEl>
                                           <p:spTgt spid="4"/>
                                         </p:tgtEl>

--- a/课程PPT/26.JS异步与网络数据交互.pptx
+++ b/课程PPT/26.JS异步与网络数据交互.pptx
@@ -17,11 +17,13 @@
     <p:sldId id="1239" r:id="rId10"/>
     <p:sldId id="1233" r:id="rId11"/>
     <p:sldId id="1240" r:id="rId12"/>
-    <p:sldId id="1234" r:id="rId13"/>
-    <p:sldId id="1241" r:id="rId14"/>
-    <p:sldId id="1242" r:id="rId15"/>
-    <p:sldId id="1104" r:id="rId16"/>
-    <p:sldId id="1246" r:id="rId17"/>
+    <p:sldId id="1248" r:id="rId13"/>
+    <p:sldId id="1234" r:id="rId14"/>
+    <p:sldId id="1241" r:id="rId15"/>
+    <p:sldId id="1242" r:id="rId16"/>
+    <p:sldId id="1247" r:id="rId17"/>
+    <p:sldId id="1104" r:id="rId18"/>
+    <p:sldId id="1246" r:id="rId19"/>
   </p:sldIdLst>
   <p:sldSz cx="12192000" cy="6858000"/>
   <p:notesSz cx="6797675" cy="9928225"/>
@@ -757,6 +759,118 @@
 </file>
 
 <file path=ppt/notesSlides/notesSlide12.xml><?xml version="1.0" encoding="utf-8"?>
+<p:notes xmlns:a="http://schemas.openxmlformats.org/drawingml/2006/main" xmlns:r="http://schemas.openxmlformats.org/officeDocument/2006/relationships" xmlns:p="http://schemas.openxmlformats.org/presentationml/2006/main">
+  <p:cSld>
+    <p:spTree>
+      <p:nvGrpSpPr>
+        <p:cNvPr id="1" name=""/>
+        <p:cNvGrpSpPr/>
+        <p:nvPr/>
+      </p:nvGrpSpPr>
+      <p:grpSpPr>
+        <a:xfrm>
+          <a:off x="0" y="0"/>
+          <a:ext cx="0" cy="0"/>
+          <a:chOff x="0" y="0"/>
+          <a:chExt cx="0" cy="0"/>
+        </a:xfrm>
+      </p:grpSpPr>
+      <p:sp>
+        <p:nvSpPr>
+          <p:cNvPr id="2" name="幻灯片图像占位符 1"/>
+          <p:cNvSpPr>
+            <a:spLocks noGrp="1" noRot="1" noChangeAspect="1"/>
+          </p:cNvSpPr>
+          <p:nvPr>
+            <p:ph type="sldImg" idx="2"/>
+          </p:nvPr>
+        </p:nvSpPr>
+        <p:spPr/>
+      </p:sp>
+      <p:sp>
+        <p:nvSpPr>
+          <p:cNvPr id="3" name="文本占位符 2"/>
+          <p:cNvSpPr>
+            <a:spLocks noGrp="1"/>
+          </p:cNvSpPr>
+          <p:nvPr>
+            <p:ph type="body" idx="3"/>
+          </p:nvPr>
+        </p:nvSpPr>
+        <p:spPr/>
+        <p:txBody>
+          <a:bodyPr/>
+          <a:lstStyle/>
+          <a:p>
+            <a:endParaRPr lang="zh-CN" altLang="en-US"/>
+          </a:p>
+        </p:txBody>
+      </p:sp>
+    </p:spTree>
+  </p:cSld>
+  <p:clrMapOvr>
+    <a:masterClrMapping/>
+  </p:clrMapOvr>
+</p:notes>
+</file>
+
+<file path=ppt/notesSlides/notesSlide13.xml><?xml version="1.0" encoding="utf-8"?>
+<p:notes xmlns:a="http://schemas.openxmlformats.org/drawingml/2006/main" xmlns:r="http://schemas.openxmlformats.org/officeDocument/2006/relationships" xmlns:p="http://schemas.openxmlformats.org/presentationml/2006/main">
+  <p:cSld>
+    <p:spTree>
+      <p:nvGrpSpPr>
+        <p:cNvPr id="1" name=""/>
+        <p:cNvGrpSpPr/>
+        <p:nvPr/>
+      </p:nvGrpSpPr>
+      <p:grpSpPr>
+        <a:xfrm>
+          <a:off x="0" y="0"/>
+          <a:ext cx="0" cy="0"/>
+          <a:chOff x="0" y="0"/>
+          <a:chExt cx="0" cy="0"/>
+        </a:xfrm>
+      </p:grpSpPr>
+      <p:sp>
+        <p:nvSpPr>
+          <p:cNvPr id="2" name="幻灯片图像占位符 1"/>
+          <p:cNvSpPr>
+            <a:spLocks noGrp="1" noRot="1" noChangeAspect="1"/>
+          </p:cNvSpPr>
+          <p:nvPr>
+            <p:ph type="sldImg" idx="2"/>
+          </p:nvPr>
+        </p:nvSpPr>
+        <p:spPr/>
+      </p:sp>
+      <p:sp>
+        <p:nvSpPr>
+          <p:cNvPr id="3" name="文本占位符 2"/>
+          <p:cNvSpPr>
+            <a:spLocks noGrp="1"/>
+          </p:cNvSpPr>
+          <p:nvPr>
+            <p:ph type="body" idx="3"/>
+          </p:nvPr>
+        </p:nvSpPr>
+        <p:spPr/>
+        <p:txBody>
+          <a:bodyPr/>
+          <a:lstStyle/>
+          <a:p>
+            <a:endParaRPr lang="zh-CN" altLang="en-US"/>
+          </a:p>
+        </p:txBody>
+      </p:sp>
+    </p:spTree>
+  </p:cSld>
+  <p:clrMapOvr>
+    <a:masterClrMapping/>
+  </p:clrMapOvr>
+</p:notes>
+</file>
+
+<file path=ppt/notesSlides/notesSlide14.xml><?xml version="1.0" encoding="utf-8"?>
 <p:notes xmlns:a="http://schemas.openxmlformats.org/drawingml/2006/main" xmlns:r="http://schemas.openxmlformats.org/officeDocument/2006/relationships" xmlns:p="http://schemas.openxmlformats.org/presentationml/2006/main">
   <p:cSld>
     <p:spTree>
@@ -3695,6 +3809,559 @@
               </a:lnSpc>
             </a:pPr>
             <a:r>
+              <a:rPr lang="zh-CN" sz="3200" dirty="0">
+                <a:solidFill>
+                  <a:schemeClr val="tx1"/>
+                </a:solidFill>
+                <a:sym typeface="+mn-ea"/>
+              </a:rPr>
+              <a:t>前后端分离与前后端交互</a:t>
+            </a:r>
+            <a:br>
+              <a:rPr sz="2000" dirty="0">
+                <a:solidFill>
+                  <a:schemeClr val="tx1"/>
+                </a:solidFill>
+                <a:sym typeface="+mn-ea"/>
+              </a:rPr>
+            </a:br>
+            <a:br>
+              <a:rPr lang="zh-CN" altLang="en-US" sz="2000" dirty="0">
+                <a:solidFill>
+                  <a:schemeClr val="tx1"/>
+                </a:solidFill>
+                <a:sym typeface="+mn-ea"/>
+              </a:rPr>
+            </a:br>
+            <a:endParaRPr lang="zh-CN" altLang="en-US" sz="2000" dirty="0">
+              <a:solidFill>
+                <a:schemeClr val="tx1"/>
+              </a:solidFill>
+              <a:sym typeface="+mn-ea"/>
+            </a:endParaRPr>
+          </a:p>
+        </p:txBody>
+      </p:sp>
+      <p:sp>
+        <p:nvSpPr>
+          <p:cNvPr id="3" name="内容占位符 2"/>
+          <p:cNvSpPr>
+            <a:spLocks noGrp="1"/>
+          </p:cNvSpPr>
+          <p:nvPr>
+            <p:ph sz="quarter" idx="11"/>
+          </p:nvPr>
+        </p:nvSpPr>
+        <p:spPr/>
+        <p:txBody>
+          <a:bodyPr/>
+          <a:lstStyle/>
+          <a:p>
+            <a:r>
+              <a:rPr lang="en-US" altLang="zh-CN" dirty="0"/>
+              <a:t>JS</a:t>
+            </a:r>
+            <a:r>
+              <a:rPr lang="zh-CN" altLang="en-US" dirty="0"/>
+              <a:t>异步网络数据交互</a:t>
+            </a:r>
+            <a:endParaRPr lang="en-US" altLang="zh-CN" dirty="0"/>
+          </a:p>
+        </p:txBody>
+      </p:sp>
+      <p:pic>
+        <p:nvPicPr>
+          <p:cNvPr id="4" name="图片 3" descr="前后端"/>
+          <p:cNvPicPr>
+            <a:picLocks noChangeAspect="1"/>
+          </p:cNvPicPr>
+          <p:nvPr/>
+        </p:nvPicPr>
+        <p:blipFill>
+          <a:blip r:embed="rId1"/>
+          <a:stretch>
+            <a:fillRect/>
+          </a:stretch>
+        </p:blipFill>
+        <p:spPr>
+          <a:xfrm>
+            <a:off x="1200785" y="1558925"/>
+            <a:ext cx="7565390" cy="4422140"/>
+          </a:xfrm>
+          <a:prstGeom prst="rect">
+            <a:avLst/>
+          </a:prstGeom>
+        </p:spPr>
+      </p:pic>
+      <p:sp>
+        <p:nvSpPr>
+          <p:cNvPr id="6" name="文本框 5"/>
+          <p:cNvSpPr txBox="1"/>
+          <p:nvPr/>
+        </p:nvSpPr>
+        <p:spPr>
+          <a:xfrm>
+            <a:off x="8898890" y="1558925"/>
+            <a:ext cx="2810510" cy="3169285"/>
+          </a:xfrm>
+          <a:prstGeom prst="rect">
+            <a:avLst/>
+          </a:prstGeom>
+          <a:noFill/>
+        </p:spPr>
+        <p:txBody>
+          <a:bodyPr wrap="square" rtlCol="0">
+            <a:spAutoFit/>
+          </a:bodyPr>
+          <a:p>
+            <a:r>
+              <a:rPr lang="zh-CN" altLang="en-US" sz="2000">
+                <a:solidFill>
+                  <a:schemeClr val="tx1"/>
+                </a:solidFill>
+              </a:rPr>
+              <a:t>查看建站相关</a:t>
+            </a:r>
+            <a:endParaRPr lang="en-US" altLang="zh-CN" sz="2000">
+              <a:solidFill>
+                <a:schemeClr val="tx1"/>
+              </a:solidFill>
+            </a:endParaRPr>
+          </a:p>
+          <a:p>
+            <a:r>
+              <a:rPr lang="en-US" altLang="zh-CN" sz="2000">
+                <a:solidFill>
+                  <a:schemeClr val="tx1"/>
+                </a:solidFill>
+              </a:rPr>
+              <a:t>www.aliyun.com</a:t>
+            </a:r>
+            <a:endParaRPr lang="en-US" altLang="zh-CN" sz="2000">
+              <a:solidFill>
+                <a:schemeClr val="tx1"/>
+              </a:solidFill>
+            </a:endParaRPr>
+          </a:p>
+          <a:p>
+            <a:endParaRPr lang="en-US" altLang="zh-CN" sz="2000">
+              <a:solidFill>
+                <a:schemeClr val="tx1"/>
+              </a:solidFill>
+            </a:endParaRPr>
+          </a:p>
+          <a:p>
+            <a:r>
+              <a:rPr lang="en-US" altLang="zh-CN" sz="2000">
+                <a:solidFill>
+                  <a:schemeClr val="tx1"/>
+                </a:solidFill>
+              </a:rPr>
+              <a:t>cloud.tencent.com</a:t>
+            </a:r>
+            <a:endParaRPr lang="en-US" altLang="zh-CN" sz="2000">
+              <a:solidFill>
+                <a:schemeClr val="tx1"/>
+              </a:solidFill>
+            </a:endParaRPr>
+          </a:p>
+          <a:p>
+            <a:endParaRPr lang="en-US" altLang="zh-CN" sz="2000">
+              <a:solidFill>
+                <a:schemeClr val="tx1"/>
+              </a:solidFill>
+            </a:endParaRPr>
+          </a:p>
+          <a:p>
+            <a:r>
+              <a:rPr lang="en-US" altLang="zh-CN" sz="2000">
+                <a:solidFill>
+                  <a:schemeClr val="tx1"/>
+                </a:solidFill>
+              </a:rPr>
+              <a:t>cloud.tencent.com/solution/database</a:t>
+            </a:r>
+            <a:endParaRPr lang="en-US" altLang="zh-CN" sz="2000">
+              <a:solidFill>
+                <a:schemeClr val="tx1"/>
+              </a:solidFill>
+            </a:endParaRPr>
+          </a:p>
+          <a:p>
+            <a:endParaRPr lang="en-US" altLang="zh-CN" sz="2000">
+              <a:solidFill>
+                <a:schemeClr val="tx1"/>
+              </a:solidFill>
+            </a:endParaRPr>
+          </a:p>
+          <a:p>
+            <a:r>
+              <a:rPr lang="zh-CN" altLang="en-US" sz="2000">
+                <a:solidFill>
+                  <a:schemeClr val="tx1"/>
+                </a:solidFill>
+              </a:rPr>
+              <a:t>理解网络前后端交互等相关知识</a:t>
+            </a:r>
+            <a:endParaRPr lang="zh-CN" altLang="en-US" sz="2000">
+              <a:solidFill>
+                <a:schemeClr val="tx1"/>
+              </a:solidFill>
+            </a:endParaRPr>
+          </a:p>
+        </p:txBody>
+      </p:sp>
+    </p:spTree>
+  </p:cSld>
+  <p:clrMapOvr>
+    <a:masterClrMapping/>
+  </p:clrMapOvr>
+  <p:timing>
+    <p:tnLst>
+      <p:par>
+        <p:cTn id="1" dur="indefinite" restart="never" nodeType="tmRoot">
+          <p:childTnLst>
+            <p:seq concurrent="1" nextAc="seek">
+              <p:cTn id="2" dur="indefinite" nodeType="mainSeq">
+                <p:childTnLst>
+                  <p:par>
+                    <p:cTn id="3" fill="hold">
+                      <p:stCondLst>
+                        <p:cond delay="indefinite"/>
+                      </p:stCondLst>
+                      <p:childTnLst>
+                        <p:par>
+                          <p:cTn id="4" fill="hold">
+                            <p:stCondLst>
+                              <p:cond delay="0"/>
+                            </p:stCondLst>
+                            <p:childTnLst>
+                              <p:par>
+                                <p:cTn id="5" presetID="2" presetClass="entr" presetSubtype="4" fill="hold" nodeType="clickEffect">
+                                  <p:stCondLst>
+                                    <p:cond delay="0"/>
+                                  </p:stCondLst>
+                                  <p:childTnLst>
+                                    <p:set>
+                                      <p:cBhvr>
+                                        <p:cTn id="6" dur="1" fill="hold">
+                                          <p:stCondLst>
+                                            <p:cond delay="0"/>
+                                          </p:stCondLst>
+                                        </p:cTn>
+                                        <p:tgtEl>
+                                          <p:spTgt spid="2">
+                                            <p:txEl>
+                                              <p:pRg st="0" end="0"/>
+                                            </p:txEl>
+                                          </p:spTgt>
+                                        </p:tgtEl>
+                                        <p:attrNameLst>
+                                          <p:attrName>style.visibility</p:attrName>
+                                        </p:attrNameLst>
+                                      </p:cBhvr>
+                                      <p:to>
+                                        <p:strVal val="visible"/>
+                                      </p:to>
+                                    </p:set>
+                                    <p:anim calcmode="lin" valueType="num">
+                                      <p:cBhvr additive="base">
+                                        <p:cTn id="7" dur="500" fill="hold"/>
+                                        <p:tgtEl>
+                                          <p:spTgt spid="2">
+                                            <p:txEl>
+                                              <p:pRg st="0" end="0"/>
+                                            </p:txEl>
+                                          </p:spTgt>
+                                        </p:tgtEl>
+                                        <p:attrNameLst>
+                                          <p:attrName>ppt_x</p:attrName>
+                                        </p:attrNameLst>
+                                      </p:cBhvr>
+                                      <p:tavLst>
+                                        <p:tav tm="0">
+                                          <p:val>
+                                            <p:strVal val="#ppt_x"/>
+                                          </p:val>
+                                        </p:tav>
+                                        <p:tav tm="100000">
+                                          <p:val>
+                                            <p:strVal val="#ppt_x"/>
+                                          </p:val>
+                                        </p:tav>
+                                      </p:tavLst>
+                                    </p:anim>
+                                    <p:anim calcmode="lin" valueType="num">
+                                      <p:cBhvr additive="base">
+                                        <p:cTn id="8" dur="500" fill="hold"/>
+                                        <p:tgtEl>
+                                          <p:spTgt spid="2">
+                                            <p:txEl>
+                                              <p:pRg st="0" end="0"/>
+                                            </p:txEl>
+                                          </p:spTgt>
+                                        </p:tgtEl>
+                                        <p:attrNameLst>
+                                          <p:attrName>ppt_y</p:attrName>
+                                        </p:attrNameLst>
+                                      </p:cBhvr>
+                                      <p:tavLst>
+                                        <p:tav tm="0">
+                                          <p:val>
+                                            <p:strVal val="1+#ppt_h/2"/>
+                                          </p:val>
+                                        </p:tav>
+                                        <p:tav tm="100000">
+                                          <p:val>
+                                            <p:strVal val="#ppt_y"/>
+                                          </p:val>
+                                        </p:tav>
+                                      </p:tavLst>
+                                    </p:anim>
+                                  </p:childTnLst>
+                                </p:cTn>
+                              </p:par>
+                            </p:childTnLst>
+                          </p:cTn>
+                        </p:par>
+                        <p:par>
+                          <p:cTn id="9" fill="hold">
+                            <p:stCondLst>
+                              <p:cond delay="500"/>
+                            </p:stCondLst>
+                            <p:childTnLst>
+                              <p:par>
+                                <p:cTn id="10" presetID="2" presetClass="entr" presetSubtype="4" fill="hold" nodeType="afterEffect">
+                                  <p:stCondLst>
+                                    <p:cond delay="0"/>
+                                  </p:stCondLst>
+                                  <p:childTnLst>
+                                    <p:set>
+                                      <p:cBhvr>
+                                        <p:cTn id="11" dur="1" fill="hold">
+                                          <p:stCondLst>
+                                            <p:cond delay="0"/>
+                                          </p:stCondLst>
+                                        </p:cTn>
+                                        <p:tgtEl>
+                                          <p:spTgt spid="4"/>
+                                        </p:tgtEl>
+                                        <p:attrNameLst>
+                                          <p:attrName>style.visibility</p:attrName>
+                                        </p:attrNameLst>
+                                      </p:cBhvr>
+                                      <p:to>
+                                        <p:strVal val="visible"/>
+                                      </p:to>
+                                    </p:set>
+                                    <p:anim calcmode="lin" valueType="num">
+                                      <p:cBhvr additive="base">
+                                        <p:cTn id="12" dur="500" fill="hold"/>
+                                        <p:tgtEl>
+                                          <p:spTgt spid="4"/>
+                                        </p:tgtEl>
+                                        <p:attrNameLst>
+                                          <p:attrName>ppt_x</p:attrName>
+                                        </p:attrNameLst>
+                                      </p:cBhvr>
+                                      <p:tavLst>
+                                        <p:tav tm="0">
+                                          <p:val>
+                                            <p:strVal val="#ppt_x"/>
+                                          </p:val>
+                                        </p:tav>
+                                        <p:tav tm="100000">
+                                          <p:val>
+                                            <p:strVal val="#ppt_x"/>
+                                          </p:val>
+                                        </p:tav>
+                                      </p:tavLst>
+                                    </p:anim>
+                                    <p:anim calcmode="lin" valueType="num">
+                                      <p:cBhvr additive="base">
+                                        <p:cTn id="13" dur="500" fill="hold"/>
+                                        <p:tgtEl>
+                                          <p:spTgt spid="4"/>
+                                        </p:tgtEl>
+                                        <p:attrNameLst>
+                                          <p:attrName>ppt_y</p:attrName>
+                                        </p:attrNameLst>
+                                      </p:cBhvr>
+                                      <p:tavLst>
+                                        <p:tav tm="0">
+                                          <p:val>
+                                            <p:strVal val="1+#ppt_h/2"/>
+                                          </p:val>
+                                        </p:tav>
+                                        <p:tav tm="100000">
+                                          <p:val>
+                                            <p:strVal val="#ppt_y"/>
+                                          </p:val>
+                                        </p:tav>
+                                      </p:tavLst>
+                                    </p:anim>
+                                  </p:childTnLst>
+                                </p:cTn>
+                              </p:par>
+                            </p:childTnLst>
+                          </p:cTn>
+                        </p:par>
+                        <p:par>
+                          <p:cTn id="14" fill="hold">
+                            <p:stCondLst>
+                              <p:cond delay="1000"/>
+                            </p:stCondLst>
+                            <p:childTnLst>
+                              <p:par>
+                                <p:cTn id="15" presetID="2" presetClass="entr" presetSubtype="4" fill="hold" grpId="0" nodeType="afterEffect">
+                                  <p:stCondLst>
+                                    <p:cond delay="0"/>
+                                  </p:stCondLst>
+                                  <p:childTnLst>
+                                    <p:set>
+                                      <p:cBhvr>
+                                        <p:cTn id="16" dur="1" fill="hold">
+                                          <p:stCondLst>
+                                            <p:cond delay="0"/>
+                                          </p:stCondLst>
+                                        </p:cTn>
+                                        <p:tgtEl>
+                                          <p:spTgt spid="6"/>
+                                        </p:tgtEl>
+                                        <p:attrNameLst>
+                                          <p:attrName>style.visibility</p:attrName>
+                                        </p:attrNameLst>
+                                      </p:cBhvr>
+                                      <p:to>
+                                        <p:strVal val="visible"/>
+                                      </p:to>
+                                    </p:set>
+                                    <p:anim calcmode="lin" valueType="num">
+                                      <p:cBhvr additive="base">
+                                        <p:cTn id="17" dur="500" fill="hold"/>
+                                        <p:tgtEl>
+                                          <p:spTgt spid="6"/>
+                                        </p:tgtEl>
+                                        <p:attrNameLst>
+                                          <p:attrName>ppt_x</p:attrName>
+                                        </p:attrNameLst>
+                                      </p:cBhvr>
+                                      <p:tavLst>
+                                        <p:tav tm="0">
+                                          <p:val>
+                                            <p:strVal val="#ppt_x"/>
+                                          </p:val>
+                                        </p:tav>
+                                        <p:tav tm="100000">
+                                          <p:val>
+                                            <p:strVal val="#ppt_x"/>
+                                          </p:val>
+                                        </p:tav>
+                                      </p:tavLst>
+                                    </p:anim>
+                                    <p:anim calcmode="lin" valueType="num">
+                                      <p:cBhvr additive="base">
+                                        <p:cTn id="18" dur="500" fill="hold"/>
+                                        <p:tgtEl>
+                                          <p:spTgt spid="6"/>
+                                        </p:tgtEl>
+                                        <p:attrNameLst>
+                                          <p:attrName>ppt_y</p:attrName>
+                                        </p:attrNameLst>
+                                      </p:cBhvr>
+                                      <p:tavLst>
+                                        <p:tav tm="0">
+                                          <p:val>
+                                            <p:strVal val="1+#ppt_h/2"/>
+                                          </p:val>
+                                        </p:tav>
+                                        <p:tav tm="100000">
+                                          <p:val>
+                                            <p:strVal val="#ppt_y"/>
+                                          </p:val>
+                                        </p:tav>
+                                      </p:tavLst>
+                                    </p:anim>
+                                  </p:childTnLst>
+                                </p:cTn>
+                              </p:par>
+                            </p:childTnLst>
+                          </p:cTn>
+                        </p:par>
+                      </p:childTnLst>
+                    </p:cTn>
+                  </p:par>
+                </p:childTnLst>
+              </p:cTn>
+              <p:prevCondLst>
+                <p:cond evt="onPrev" delay="0">
+                  <p:tgtEl>
+                    <p:sldTgt/>
+                  </p:tgtEl>
+                </p:cond>
+              </p:prevCondLst>
+              <p:nextCondLst>
+                <p:cond evt="onNext" delay="0">
+                  <p:tgtEl>
+                    <p:sldTgt/>
+                  </p:tgtEl>
+                </p:cond>
+              </p:nextCondLst>
+            </p:seq>
+          </p:childTnLst>
+        </p:cTn>
+      </p:par>
+    </p:tnLst>
+    <p:bldLst>
+      <p:bldP spid="6" grpId="0"/>
+    </p:bldLst>
+  </p:timing>
+</p:sld>
+</file>
+
+<file path=ppt/slides/slide11.xml><?xml version="1.0" encoding="utf-8"?>
+<p:sld xmlns:a="http://schemas.openxmlformats.org/drawingml/2006/main" xmlns:r="http://schemas.openxmlformats.org/officeDocument/2006/relationships" xmlns:p="http://schemas.openxmlformats.org/presentationml/2006/main">
+  <p:cSld>
+    <p:spTree>
+      <p:nvGrpSpPr>
+        <p:cNvPr id="1" name=""/>
+        <p:cNvGrpSpPr/>
+        <p:nvPr/>
+      </p:nvGrpSpPr>
+      <p:grpSpPr>
+        <a:xfrm>
+          <a:off x="0" y="0"/>
+          <a:ext cx="0" cy="0"/>
+          <a:chOff x="0" y="0"/>
+          <a:chExt cx="0" cy="0"/>
+        </a:xfrm>
+      </p:grpSpPr>
+      <p:sp>
+        <p:nvSpPr>
+          <p:cNvPr id="2" name="内容占位符 1"/>
+          <p:cNvSpPr>
+            <a:spLocks noGrp="1"/>
+          </p:cNvSpPr>
+          <p:nvPr>
+            <p:ph sz="quarter" idx="10"/>
+          </p:nvPr>
+        </p:nvSpPr>
+        <p:spPr>
+          <a:xfrm>
+            <a:off x="927735" y="783590"/>
+            <a:ext cx="10781665" cy="5269230"/>
+          </a:xfrm>
+        </p:spPr>
+        <p:txBody>
+          <a:bodyPr/>
+          <a:lstStyle/>
+          <a:p>
+            <a:pPr>
+              <a:lnSpc>
+                <a:spcPct val="150000"/>
+              </a:lnSpc>
+            </a:pPr>
+            <a:r>
               <a:rPr lang="en-US" altLang="zh-CN" sz="3200" dirty="0">
                 <a:solidFill>
                   <a:schemeClr val="tx1"/>
@@ -4007,7 +4674,7 @@
 </p:sld>
 </file>
 
-<file path=ppt/slides/slide11.xml><?xml version="1.0" encoding="utf-8"?>
+<file path=ppt/slides/slide12.xml><?xml version="1.0" encoding="utf-8"?>
 <p:sld xmlns:a="http://schemas.openxmlformats.org/drawingml/2006/main" xmlns:r="http://schemas.openxmlformats.org/officeDocument/2006/relationships" xmlns:p="http://schemas.openxmlformats.org/presentationml/2006/main">
   <p:cSld>
     <p:spTree>
@@ -4363,7 +5030,7 @@
 </p:sld>
 </file>
 
-<file path=ppt/slides/slide12.xml><?xml version="1.0" encoding="utf-8"?>
+<file path=ppt/slides/slide13.xml><?xml version="1.0" encoding="utf-8"?>
 <p:sld xmlns:a="http://schemas.openxmlformats.org/drawingml/2006/main" xmlns:r="http://schemas.openxmlformats.org/officeDocument/2006/relationships" xmlns:p="http://schemas.openxmlformats.org/presentationml/2006/main">
   <p:cSld>
     <p:spTree>
@@ -4504,8 +5171,8 @@
         </p:nvSpPr>
         <p:spPr>
           <a:xfrm>
-            <a:off x="4996180" y="6124575"/>
-            <a:ext cx="6424930" cy="398780"/>
+            <a:off x="5041900" y="5346065"/>
+            <a:ext cx="6424930" cy="706755"/>
           </a:xfrm>
           <a:prstGeom prst="rect">
             <a:avLst/>
@@ -4524,7 +5191,7 @@
                   <a:srgbClr val="FF0000"/>
                 </a:solidFill>
               </a:rPr>
-              <a:t>参见实例</a:t>
+              <a:t>参见</a:t>
             </a:r>
             <a:r>
               <a:rPr lang="en-US" altLang="zh-CN" sz="2000">
@@ -4532,14 +5199,85 @@
                   <a:srgbClr val="FF0000"/>
                 </a:solidFill>
               </a:rPr>
-              <a:t>NodeAjaxTest  </a:t>
+              <a:t>NodeAjaxTest</a:t>
+            </a:r>
+            <a:r>
+              <a:rPr lang="zh-CN" altLang="en-US" sz="2000">
+                <a:solidFill>
+                  <a:srgbClr val="FF0000"/>
+                </a:solidFill>
+              </a:rPr>
+              <a:t>文件夹中的 </a:t>
             </a:r>
             <a:r>
               <a:rPr lang="en-US" altLang="zh-CN" sz="2000">
                 <a:solidFill>
                   <a:srgbClr val="FF0000"/>
                 </a:solidFill>
-                <a:sym typeface="+mn-ea"/>
+              </a:rPr>
+              <a:t>Test01</a:t>
+            </a:r>
+            <a:r>
+              <a:rPr lang="zh-CN" altLang="en-US" sz="2000">
+                <a:solidFill>
+                  <a:srgbClr val="FF0000"/>
+                </a:solidFill>
+              </a:rPr>
+              <a:t>和</a:t>
+            </a:r>
+            <a:r>
+              <a:rPr lang="en-US" altLang="zh-CN" sz="2000">
+                <a:solidFill>
+                  <a:srgbClr val="FF0000"/>
+                </a:solidFill>
+              </a:rPr>
+              <a:t>Test02 </a:t>
+            </a:r>
+            <a:r>
+              <a:rPr lang="zh-CN" altLang="en-US" sz="2000">
+                <a:solidFill>
+                  <a:srgbClr val="FF0000"/>
+                </a:solidFill>
+              </a:rPr>
+              <a:t>（包括</a:t>
+            </a:r>
+            <a:r>
+              <a:rPr lang="en-US" altLang="zh-CN" sz="2000">
+                <a:solidFill>
+                  <a:srgbClr val="FF0000"/>
+                </a:solidFill>
+              </a:rPr>
+              <a:t>html</a:t>
+            </a:r>
+            <a:r>
+              <a:rPr lang="zh-CN" altLang="en-US" sz="2000">
+                <a:solidFill>
+                  <a:srgbClr val="FF0000"/>
+                </a:solidFill>
+              </a:rPr>
+              <a:t>文件和</a:t>
+            </a:r>
+            <a:r>
+              <a:rPr lang="en-US" altLang="zh-CN" sz="2000">
+                <a:solidFill>
+                  <a:srgbClr val="FF0000"/>
+                </a:solidFill>
+              </a:rPr>
+              <a:t>js</a:t>
+            </a:r>
+            <a:r>
+              <a:rPr lang="zh-CN" altLang="en-US" sz="2000">
+                <a:solidFill>
+                  <a:srgbClr val="FF0000"/>
+                </a:solidFill>
+              </a:rPr>
+              <a:t>文件 掌握</a:t>
+            </a:r>
+            <a:r>
+              <a:rPr lang="en-US" altLang="zh-CN" sz="2000">
+                <a:solidFill>
+                  <a:srgbClr val="FF0000"/>
+                </a:solidFill>
               </a:rPr>
               <a:t>XMLHttpRequest</a:t>
             </a:r>
@@ -4548,19 +5286,10 @@
                 <a:solidFill>
                   <a:srgbClr val="FF0000"/>
                 </a:solidFill>
-                <a:sym typeface="+mn-ea"/>
-              </a:rPr>
-              <a:t>异步数据交互</a:t>
-            </a:r>
-            <a:r>
-              <a:rPr lang="zh-CN" altLang="en-US" sz="2000">
-                <a:solidFill>
-                  <a:srgbClr val="FF0000"/>
-                </a:solidFill>
-              </a:rPr>
-              <a:t> </a:t>
-            </a:r>
-            <a:endParaRPr lang="en-US" altLang="zh-CN" sz="2000">
+              </a:rPr>
+              <a:t>的应用）</a:t>
+            </a:r>
+            <a:endParaRPr lang="zh-CN" altLang="en-US" sz="2000">
               <a:solidFill>
                 <a:srgbClr val="FF0000"/>
               </a:solidFill>
@@ -4876,7 +5605,601 @@
 </p:sld>
 </file>
 
-<file path=ppt/slides/slide13.xml><?xml version="1.0" encoding="utf-8"?>
+<file path=ppt/slides/slide14.xml><?xml version="1.0" encoding="utf-8"?>
+<p:sld xmlns:a="http://schemas.openxmlformats.org/drawingml/2006/main" xmlns:r="http://schemas.openxmlformats.org/officeDocument/2006/relationships" xmlns:p="http://schemas.openxmlformats.org/presentationml/2006/main">
+  <p:cSld>
+    <p:spTree>
+      <p:nvGrpSpPr>
+        <p:cNvPr id="1" name=""/>
+        <p:cNvGrpSpPr/>
+        <p:nvPr/>
+      </p:nvGrpSpPr>
+      <p:grpSpPr>
+        <a:xfrm>
+          <a:off x="0" y="0"/>
+          <a:ext cx="0" cy="0"/>
+          <a:chOff x="0" y="0"/>
+          <a:chExt cx="0" cy="0"/>
+        </a:xfrm>
+      </p:grpSpPr>
+      <p:sp>
+        <p:nvSpPr>
+          <p:cNvPr id="2" name="内容占位符 1"/>
+          <p:cNvSpPr>
+            <a:spLocks noGrp="1"/>
+          </p:cNvSpPr>
+          <p:nvPr>
+            <p:ph sz="quarter" idx="10"/>
+          </p:nvPr>
+        </p:nvSpPr>
+        <p:spPr>
+          <a:xfrm>
+            <a:off x="927735" y="783590"/>
+            <a:ext cx="10781665" cy="5269230"/>
+          </a:xfrm>
+        </p:spPr>
+        <p:txBody>
+          <a:bodyPr/>
+          <a:lstStyle/>
+          <a:p>
+            <a:pPr>
+              <a:lnSpc>
+                <a:spcPct val="150000"/>
+              </a:lnSpc>
+            </a:pPr>
+            <a:r>
+              <a:rPr lang="zh-CN" altLang="en-US" sz="3200" dirty="0">
+                <a:solidFill>
+                  <a:schemeClr val="tx1"/>
+                </a:solidFill>
+                <a:sym typeface="+mn-ea"/>
+              </a:rPr>
+              <a:t>使用</a:t>
+            </a:r>
+            <a:r>
+              <a:rPr lang="en-US" altLang="zh-CN" sz="3200" dirty="0">
+                <a:solidFill>
+                  <a:schemeClr val="tx1"/>
+                </a:solidFill>
+                <a:sym typeface="+mn-ea"/>
+              </a:rPr>
+              <a:t>jQuery</a:t>
+            </a:r>
+            <a:r>
+              <a:rPr lang="zh-CN" altLang="en-US" sz="3200" dirty="0">
+                <a:solidFill>
+                  <a:schemeClr val="tx1"/>
+                </a:solidFill>
+                <a:sym typeface="+mn-ea"/>
+              </a:rPr>
+              <a:t>中的</a:t>
+            </a:r>
+            <a:r>
+              <a:rPr lang="en-US" altLang="zh-CN" sz="3200" dirty="0">
+                <a:solidFill>
+                  <a:schemeClr val="tx1"/>
+                </a:solidFill>
+                <a:sym typeface="+mn-ea"/>
+              </a:rPr>
+              <a:t>ajax</a:t>
+            </a:r>
+            <a:r>
+              <a:rPr lang="zh-CN" altLang="en-US" sz="3200" dirty="0">
+                <a:solidFill>
+                  <a:schemeClr val="tx1"/>
+                </a:solidFill>
+                <a:sym typeface="+mn-ea"/>
+              </a:rPr>
+              <a:t>对象</a:t>
+            </a:r>
+            <a:br>
+              <a:rPr lang="zh-CN" altLang="en-US" sz="2000" dirty="0">
+                <a:solidFill>
+                  <a:schemeClr val="tx1"/>
+                </a:solidFill>
+                <a:sym typeface="+mn-ea"/>
+              </a:rPr>
+            </a:br>
+            <a:endParaRPr lang="zh-CN" altLang="en-US" sz="2000" dirty="0">
+              <a:solidFill>
+                <a:schemeClr val="tx1"/>
+              </a:solidFill>
+              <a:sym typeface="+mn-ea"/>
+            </a:endParaRPr>
+          </a:p>
+        </p:txBody>
+      </p:sp>
+      <p:sp>
+        <p:nvSpPr>
+          <p:cNvPr id="3" name="内容占位符 2"/>
+          <p:cNvSpPr>
+            <a:spLocks noGrp="1"/>
+          </p:cNvSpPr>
+          <p:nvPr>
+            <p:ph sz="quarter" idx="11"/>
+          </p:nvPr>
+        </p:nvSpPr>
+        <p:spPr/>
+        <p:txBody>
+          <a:bodyPr/>
+          <a:lstStyle/>
+          <a:p>
+            <a:r>
+              <a:rPr lang="en-US" altLang="zh-CN" dirty="0">
+                <a:sym typeface="+mn-ea"/>
+              </a:rPr>
+              <a:t>JS</a:t>
+            </a:r>
+            <a:r>
+              <a:rPr lang="zh-CN" altLang="en-US" dirty="0">
+                <a:sym typeface="+mn-ea"/>
+              </a:rPr>
+              <a:t>异步网络数据交互</a:t>
+            </a:r>
+            <a:endParaRPr lang="en-US" altLang="zh-CN" dirty="0"/>
+          </a:p>
+        </p:txBody>
+      </p:sp>
+      <p:sp>
+        <p:nvSpPr>
+          <p:cNvPr id="6" name="文本框 5"/>
+          <p:cNvSpPr txBox="1"/>
+          <p:nvPr/>
+        </p:nvSpPr>
+        <p:spPr>
+          <a:xfrm>
+            <a:off x="4996180" y="5909310"/>
+            <a:ext cx="6424930" cy="706755"/>
+          </a:xfrm>
+          <a:prstGeom prst="rect">
+            <a:avLst/>
+          </a:prstGeom>
+          <a:noFill/>
+        </p:spPr>
+        <p:txBody>
+          <a:bodyPr wrap="square" rtlCol="0">
+            <a:spAutoFit/>
+          </a:bodyPr>
+          <a:lstStyle/>
+          <a:p>
+            <a:r>
+              <a:rPr lang="zh-CN" altLang="en-US" sz="2000">
+                <a:solidFill>
+                  <a:srgbClr val="FF0000"/>
+                </a:solidFill>
+              </a:rPr>
+              <a:t>参见</a:t>
+            </a:r>
+            <a:r>
+              <a:rPr lang="en-US" altLang="zh-CN" sz="2000">
+                <a:solidFill>
+                  <a:srgbClr val="FF0000"/>
+                </a:solidFill>
+              </a:rPr>
+              <a:t>NodeJsonTest</a:t>
+            </a:r>
+            <a:r>
+              <a:rPr lang="zh-CN" altLang="en-US" sz="2000">
+                <a:solidFill>
+                  <a:srgbClr val="FF0000"/>
+                </a:solidFill>
+              </a:rPr>
+              <a:t>（</a:t>
+            </a:r>
+            <a:r>
+              <a:rPr lang="en-US" altLang="zh-CN" sz="2000">
+                <a:solidFill>
+                  <a:srgbClr val="FF0000"/>
+                </a:solidFill>
+              </a:rPr>
+              <a:t>html</a:t>
+            </a:r>
+            <a:r>
+              <a:rPr lang="zh-CN" altLang="en-US" sz="2000">
+                <a:solidFill>
+                  <a:srgbClr val="FF0000"/>
+                </a:solidFill>
+              </a:rPr>
+              <a:t>、</a:t>
+            </a:r>
+            <a:r>
+              <a:rPr lang="en-US" altLang="zh-CN" sz="2000">
+                <a:solidFill>
+                  <a:srgbClr val="FF0000"/>
+                </a:solidFill>
+              </a:rPr>
+              <a:t>js</a:t>
+            </a:r>
+            <a:r>
+              <a:rPr lang="zh-CN" altLang="en-US" sz="2000">
+                <a:solidFill>
+                  <a:srgbClr val="FF0000"/>
+                </a:solidFill>
+              </a:rPr>
+              <a:t>）</a:t>
+            </a:r>
+            <a:endParaRPr lang="zh-CN" altLang="en-US" sz="2000">
+              <a:solidFill>
+                <a:srgbClr val="FF0000"/>
+              </a:solidFill>
+            </a:endParaRPr>
+          </a:p>
+          <a:p>
+            <a:r>
+              <a:rPr lang="zh-CN" altLang="en-US" sz="2000">
+                <a:solidFill>
+                  <a:srgbClr val="FF0000"/>
+                </a:solidFill>
+              </a:rPr>
+              <a:t>思考：如何用</a:t>
+            </a:r>
+            <a:r>
+              <a:rPr lang="en-US" altLang="zh-CN" sz="2000">
+                <a:solidFill>
+                  <a:srgbClr val="FF0000"/>
+                </a:solidFill>
+                <a:sym typeface="+mn-ea"/>
+              </a:rPr>
+              <a:t>XMLHttpRequest</a:t>
+            </a:r>
+            <a:r>
+              <a:rPr lang="zh-CN" altLang="en-US" sz="2000">
+                <a:solidFill>
+                  <a:srgbClr val="FF0000"/>
+                </a:solidFill>
+              </a:rPr>
+              <a:t> 实现相同功能</a:t>
+            </a:r>
+            <a:endParaRPr lang="en-US" altLang="zh-CN" sz="2000">
+              <a:solidFill>
+                <a:srgbClr val="FF0000"/>
+              </a:solidFill>
+            </a:endParaRPr>
+          </a:p>
+        </p:txBody>
+      </p:sp>
+      <p:pic>
+        <p:nvPicPr>
+          <p:cNvPr id="4" name="图片 3" descr="5`[W4C@68P4N8U4G_9M_437"/>
+          <p:cNvPicPr>
+            <a:picLocks noChangeAspect="1"/>
+          </p:cNvPicPr>
+          <p:nvPr/>
+        </p:nvPicPr>
+        <p:blipFill>
+          <a:blip r:embed="rId1"/>
+          <a:stretch>
+            <a:fillRect/>
+          </a:stretch>
+        </p:blipFill>
+        <p:spPr>
+          <a:xfrm>
+            <a:off x="927735" y="1622425"/>
+            <a:ext cx="9537065" cy="4291330"/>
+          </a:xfrm>
+          <a:prstGeom prst="rect">
+            <a:avLst/>
+          </a:prstGeom>
+        </p:spPr>
+      </p:pic>
+    </p:spTree>
+  </p:cSld>
+  <p:clrMapOvr>
+    <a:masterClrMapping/>
+  </p:clrMapOvr>
+  <p:timing>
+    <p:tnLst>
+      <p:par>
+        <p:cTn id="1" dur="indefinite" restart="never" nodeType="tmRoot">
+          <p:childTnLst>
+            <p:seq concurrent="1" nextAc="seek">
+              <p:cTn id="2" dur="indefinite" nodeType="mainSeq">
+                <p:childTnLst>
+                  <p:par>
+                    <p:cTn id="3" fill="hold">
+                      <p:stCondLst>
+                        <p:cond delay="indefinite"/>
+                      </p:stCondLst>
+                      <p:childTnLst>
+                        <p:par>
+                          <p:cTn id="4" fill="hold">
+                            <p:stCondLst>
+                              <p:cond delay="0"/>
+                            </p:stCondLst>
+                            <p:childTnLst>
+                              <p:par>
+                                <p:cTn id="5" presetID="2" presetClass="entr" presetSubtype="4" fill="hold" nodeType="clickEffect">
+                                  <p:stCondLst>
+                                    <p:cond delay="0"/>
+                                  </p:stCondLst>
+                                  <p:childTnLst>
+                                    <p:set>
+                                      <p:cBhvr>
+                                        <p:cTn id="6" dur="1" fill="hold">
+                                          <p:stCondLst>
+                                            <p:cond delay="0"/>
+                                          </p:stCondLst>
+                                        </p:cTn>
+                                        <p:tgtEl>
+                                          <p:spTgt spid="2">
+                                            <p:txEl>
+                                              <p:pRg st="0" end="0"/>
+                                            </p:txEl>
+                                          </p:spTgt>
+                                        </p:tgtEl>
+                                        <p:attrNameLst>
+                                          <p:attrName>style.visibility</p:attrName>
+                                        </p:attrNameLst>
+                                      </p:cBhvr>
+                                      <p:to>
+                                        <p:strVal val="visible"/>
+                                      </p:to>
+                                    </p:set>
+                                    <p:anim calcmode="lin" valueType="num">
+                                      <p:cBhvr additive="base">
+                                        <p:cTn id="7" dur="500" fill="hold"/>
+                                        <p:tgtEl>
+                                          <p:spTgt spid="2">
+                                            <p:txEl>
+                                              <p:pRg st="0" end="0"/>
+                                            </p:txEl>
+                                          </p:spTgt>
+                                        </p:tgtEl>
+                                        <p:attrNameLst>
+                                          <p:attrName>ppt_x</p:attrName>
+                                        </p:attrNameLst>
+                                      </p:cBhvr>
+                                      <p:tavLst>
+                                        <p:tav tm="0">
+                                          <p:val>
+                                            <p:strVal val="#ppt_x"/>
+                                          </p:val>
+                                        </p:tav>
+                                        <p:tav tm="100000">
+                                          <p:val>
+                                            <p:strVal val="#ppt_x"/>
+                                          </p:val>
+                                        </p:tav>
+                                      </p:tavLst>
+                                    </p:anim>
+                                    <p:anim calcmode="lin" valueType="num">
+                                      <p:cBhvr additive="base">
+                                        <p:cTn id="8" dur="500" fill="hold"/>
+                                        <p:tgtEl>
+                                          <p:spTgt spid="2">
+                                            <p:txEl>
+                                              <p:pRg st="0" end="0"/>
+                                            </p:txEl>
+                                          </p:spTgt>
+                                        </p:tgtEl>
+                                        <p:attrNameLst>
+                                          <p:attrName>ppt_y</p:attrName>
+                                        </p:attrNameLst>
+                                      </p:cBhvr>
+                                      <p:tavLst>
+                                        <p:tav tm="0">
+                                          <p:val>
+                                            <p:strVal val="1+#ppt_h/2"/>
+                                          </p:val>
+                                        </p:tav>
+                                        <p:tav tm="100000">
+                                          <p:val>
+                                            <p:strVal val="#ppt_y"/>
+                                          </p:val>
+                                        </p:tav>
+                                      </p:tavLst>
+                                    </p:anim>
+                                  </p:childTnLst>
+                                </p:cTn>
+                              </p:par>
+                            </p:childTnLst>
+                          </p:cTn>
+                        </p:par>
+                        <p:par>
+                          <p:cTn id="9" fill="hold">
+                            <p:stCondLst>
+                              <p:cond delay="500"/>
+                            </p:stCondLst>
+                            <p:childTnLst>
+                              <p:par>
+                                <p:cTn id="10" presetID="2" presetClass="entr" presetSubtype="4" fill="hold" grpId="0" nodeType="afterEffect">
+                                  <p:stCondLst>
+                                    <p:cond delay="0"/>
+                                  </p:stCondLst>
+                                  <p:childTnLst>
+                                    <p:set>
+                                      <p:cBhvr>
+                                        <p:cTn id="11" dur="1" fill="hold">
+                                          <p:stCondLst>
+                                            <p:cond delay="0"/>
+                                          </p:stCondLst>
+                                        </p:cTn>
+                                        <p:tgtEl>
+                                          <p:spTgt spid="6"/>
+                                        </p:tgtEl>
+                                        <p:attrNameLst>
+                                          <p:attrName>style.visibility</p:attrName>
+                                        </p:attrNameLst>
+                                      </p:cBhvr>
+                                      <p:to>
+                                        <p:strVal val="visible"/>
+                                      </p:to>
+                                    </p:set>
+                                    <p:anim calcmode="lin" valueType="num">
+                                      <p:cBhvr additive="base">
+                                        <p:cTn id="12" dur="500" fill="hold"/>
+                                        <p:tgtEl>
+                                          <p:spTgt spid="6"/>
+                                        </p:tgtEl>
+                                        <p:attrNameLst>
+                                          <p:attrName>ppt_x</p:attrName>
+                                        </p:attrNameLst>
+                                      </p:cBhvr>
+                                      <p:tavLst>
+                                        <p:tav tm="0">
+                                          <p:val>
+                                            <p:strVal val="#ppt_x"/>
+                                          </p:val>
+                                        </p:tav>
+                                        <p:tav tm="100000">
+                                          <p:val>
+                                            <p:strVal val="#ppt_x"/>
+                                          </p:val>
+                                        </p:tav>
+                                      </p:tavLst>
+                                    </p:anim>
+                                    <p:anim calcmode="lin" valueType="num">
+                                      <p:cBhvr additive="base">
+                                        <p:cTn id="13" dur="500" fill="hold"/>
+                                        <p:tgtEl>
+                                          <p:spTgt spid="6"/>
+                                        </p:tgtEl>
+                                        <p:attrNameLst>
+                                          <p:attrName>ppt_y</p:attrName>
+                                        </p:attrNameLst>
+                                      </p:cBhvr>
+                                      <p:tavLst>
+                                        <p:tav tm="0">
+                                          <p:val>
+                                            <p:strVal val="1+#ppt_h/2"/>
+                                          </p:val>
+                                        </p:tav>
+                                        <p:tav tm="100000">
+                                          <p:val>
+                                            <p:strVal val="#ppt_y"/>
+                                          </p:val>
+                                        </p:tav>
+                                      </p:tavLst>
+                                    </p:anim>
+                                  </p:childTnLst>
+                                </p:cTn>
+                              </p:par>
+                            </p:childTnLst>
+                          </p:cTn>
+                        </p:par>
+                      </p:childTnLst>
+                    </p:cTn>
+                  </p:par>
+                  <p:par>
+                    <p:cTn id="14" fill="hold">
+                      <p:stCondLst>
+                        <p:cond delay="indefinite"/>
+                      </p:stCondLst>
+                      <p:childTnLst>
+                        <p:par>
+                          <p:cTn id="15" fill="hold">
+                            <p:stCondLst>
+                              <p:cond delay="0"/>
+                            </p:stCondLst>
+                            <p:childTnLst>
+                              <p:par>
+                                <p:cTn id="16" presetID="2" presetClass="entr" presetSubtype="4" fill="hold" nodeType="clickEffect">
+                                  <p:stCondLst>
+                                    <p:cond delay="0"/>
+                                  </p:stCondLst>
+                                  <p:childTnLst>
+                                    <p:set>
+                                      <p:cBhvr>
+                                        <p:cTn id="17" dur="1" fill="hold">
+                                          <p:stCondLst>
+                                            <p:cond delay="0"/>
+                                          </p:stCondLst>
+                                        </p:cTn>
+                                        <p:tgtEl>
+                                          <p:spTgt spid="4"/>
+                                        </p:tgtEl>
+                                        <p:attrNameLst>
+                                          <p:attrName>style.visibility</p:attrName>
+                                        </p:attrNameLst>
+                                      </p:cBhvr>
+                                      <p:to>
+                                        <p:strVal val="visible"/>
+                                      </p:to>
+                                    </p:set>
+                                    <p:anim calcmode="lin" valueType="num">
+                                      <p:cBhvr additive="base">
+                                        <p:cTn id="18" dur="500" fill="hold"/>
+                                        <p:tgtEl>
+                                          <p:spTgt spid="4"/>
+                                        </p:tgtEl>
+                                        <p:attrNameLst>
+                                          <p:attrName>ppt_x</p:attrName>
+                                        </p:attrNameLst>
+                                      </p:cBhvr>
+                                      <p:tavLst>
+                                        <p:tav tm="0">
+                                          <p:val>
+                                            <p:strVal val="#ppt_x"/>
+                                          </p:val>
+                                        </p:tav>
+                                        <p:tav tm="100000">
+                                          <p:val>
+                                            <p:strVal val="#ppt_x"/>
+                                          </p:val>
+                                        </p:tav>
+                                      </p:tavLst>
+                                    </p:anim>
+                                    <p:anim calcmode="lin" valueType="num">
+                                      <p:cBhvr additive="base">
+                                        <p:cTn id="19" dur="500" fill="hold"/>
+                                        <p:tgtEl>
+                                          <p:spTgt spid="4"/>
+                                        </p:tgtEl>
+                                        <p:attrNameLst>
+                                          <p:attrName>ppt_y</p:attrName>
+                                        </p:attrNameLst>
+                                      </p:cBhvr>
+                                      <p:tavLst>
+                                        <p:tav tm="0">
+                                          <p:val>
+                                            <p:strVal val="1+#ppt_h/2"/>
+                                          </p:val>
+                                        </p:tav>
+                                        <p:tav tm="100000">
+                                          <p:val>
+                                            <p:strVal val="#ppt_y"/>
+                                          </p:val>
+                                        </p:tav>
+                                      </p:tavLst>
+                                    </p:anim>
+                                  </p:childTnLst>
+                                </p:cTn>
+                              </p:par>
+                            </p:childTnLst>
+                          </p:cTn>
+                        </p:par>
+                      </p:childTnLst>
+                    </p:cTn>
+                  </p:par>
+                </p:childTnLst>
+              </p:cTn>
+              <p:prevCondLst>
+                <p:cond evt="onPrev" delay="0">
+                  <p:tgtEl>
+                    <p:sldTgt/>
+                  </p:tgtEl>
+                </p:cond>
+              </p:prevCondLst>
+              <p:nextCondLst>
+                <p:cond evt="onNext" delay="0">
+                  <p:tgtEl>
+                    <p:sldTgt/>
+                  </p:tgtEl>
+                </p:cond>
+              </p:nextCondLst>
+            </p:seq>
+          </p:childTnLst>
+        </p:cTn>
+      </p:par>
+    </p:tnLst>
+    <p:bldLst>
+      <p:bldP spid="6" grpId="0"/>
+    </p:bldLst>
+  </p:timing>
+</p:sld>
+</file>
+
+<file path=ppt/slides/slide15.xml><?xml version="1.0" encoding="utf-8"?>
 <p:sld xmlns:a="http://schemas.openxmlformats.org/drawingml/2006/main" xmlns:r="http://schemas.openxmlformats.org/officeDocument/2006/relationships" xmlns:p="http://schemas.openxmlformats.org/presentationml/2006/main">
   <p:cSld>
     <p:spTree>
@@ -5080,7 +6403,7 @@
 </p:sld>
 </file>
 
-<file path=ppt/slides/slide14.xml><?xml version="1.0" encoding="utf-8"?>
+<file path=ppt/slides/slide16.xml><?xml version="1.0" encoding="utf-8"?>
 <p:sld xmlns:a="http://schemas.openxmlformats.org/drawingml/2006/main" xmlns:r="http://schemas.openxmlformats.org/officeDocument/2006/relationships" xmlns:p="http://schemas.openxmlformats.org/presentationml/2006/main">
   <p:cSld>
     <p:spTree>
@@ -9743,7 +11066,34 @@
                 </a:solidFill>
                 <a:sym typeface="+mn-ea"/>
               </a:rPr>
-              <a:t>AJAX 不是新的编程语言，而是一种使用现有标准的方法</a:t>
+              <a:t>AJAX 是一种使用现有标准</a:t>
+            </a:r>
+            <a:r>
+              <a:rPr lang="zh-CN" sz="2000" dirty="0">
+                <a:solidFill>
+                  <a:schemeClr val="tx1"/>
+                </a:solidFill>
+                <a:sym typeface="+mn-ea"/>
+              </a:rPr>
+              <a:t>和技术</a:t>
+            </a:r>
+            <a:r>
+              <a:rPr sz="2000" dirty="0">
+                <a:solidFill>
+                  <a:schemeClr val="tx1"/>
+                </a:solidFill>
+                <a:sym typeface="+mn-ea"/>
+              </a:rPr>
+              <a:t>的</a:t>
+            </a:r>
+            <a:r>
+              <a:rPr lang="zh-CN" sz="2000" dirty="0">
+                <a:solidFill>
+                  <a:schemeClr val="tx1"/>
+                </a:solidFill>
+                <a:sym typeface="+mn-ea"/>
+              </a:rPr>
+              <a:t>综合实现</a:t>
             </a:r>
             <a:br>
               <a:rPr sz="2000" dirty="0">
@@ -10038,8 +11388,8 @@
         </p:nvSpPr>
         <p:spPr>
           <a:xfrm>
-            <a:off x="5575300" y="6196330"/>
-            <a:ext cx="5950585" cy="398780"/>
+            <a:off x="4920615" y="6124575"/>
+            <a:ext cx="6788150" cy="398780"/>
           </a:xfrm>
           <a:prstGeom prst="rect">
             <a:avLst/>
@@ -10053,12 +11403,22 @@
           <a:lstStyle/>
           <a:p>
             <a:r>
+              <a:rPr lang="en-US" altLang="zh-CN" sz="2000">
+                <a:solidFill>
+                  <a:srgbClr val="FF0000"/>
+                </a:solidFill>
+                <a:sym typeface="+mn-ea"/>
+              </a:rPr>
+              <a:t>http</a:t>
+            </a:r>
+            <a:r>
               <a:rPr lang="zh-CN" altLang="en-US" sz="2000">
                 <a:solidFill>
                   <a:srgbClr val="FF0000"/>
                 </a:solidFill>
-              </a:rPr>
-              <a:t>参见实例</a:t>
+                <a:sym typeface="+mn-ea"/>
+              </a:rPr>
+              <a:t>请求相关知识；</a:t>
             </a:r>
             <a:r>
               <a:rPr lang="en-US" altLang="zh-CN" sz="2000">
@@ -10066,7 +11426,7 @@
                   <a:srgbClr val="FF0000"/>
                 </a:solidFill>
               </a:rPr>
-              <a:t>Demo4 Ajax</a:t>
+              <a:t>Node</a:t>
             </a:r>
             <a:r>
               <a:rPr lang="zh-CN" altLang="en-US" sz="2000">
@@ -10074,7 +11434,7 @@
                   <a:srgbClr val="FF0000"/>
                 </a:solidFill>
               </a:rPr>
-              <a:t>和</a:t>
+              <a:t>模块；</a:t>
             </a:r>
             <a:r>
               <a:rPr lang="en-US" altLang="zh-CN" sz="2000">
@@ -10082,7 +11442,7 @@
                   <a:srgbClr val="FF0000"/>
                 </a:solidFill>
               </a:rPr>
-              <a:t>XMLHttpRequest</a:t>
+              <a:t>http</a:t>
             </a:r>
             <a:r>
               <a:rPr lang="zh-CN" altLang="en-US" sz="2000">
@@ -10090,7 +11450,7 @@
                   <a:srgbClr val="FF0000"/>
                 </a:solidFill>
               </a:rPr>
-              <a:t>基本案例</a:t>
+              <a:t>模块应用</a:t>
             </a:r>
             <a:r>
               <a:rPr lang="en-US" altLang="zh-CN" sz="2000">

--- a/课程PPT/26.JS异步与网络数据交互.pptx
+++ b/课程PPT/26.JS异步与网络数据交互.pptx
@@ -6563,11 +6563,77 @@
             <a:r>
               <a:rPr lang="zh-CN" altLang="en-US" sz="3200" dirty="0">
                 <a:solidFill>
-                  <a:schemeClr val="tx1"/>
+                  <a:schemeClr val="accent3"/>
                 </a:solidFill>
                 <a:sym typeface="+mn-ea"/>
               </a:rPr>
               <a:t>https://www.imooc.com/learn/250</a:t>
+            </a:r>
+            <a:endParaRPr lang="zh-CN" altLang="en-US" sz="3200" dirty="0">
+              <a:solidFill>
+                <a:schemeClr val="accent3"/>
+              </a:solidFill>
+              <a:sym typeface="+mn-ea"/>
+            </a:endParaRPr>
+          </a:p>
+          <a:p>
+            <a:pPr>
+              <a:lnSpc>
+                <a:spcPct val="150000"/>
+              </a:lnSpc>
+            </a:pPr>
+            <a:r>
+              <a:rPr lang="zh-CN" altLang="en-US" sz="3200" dirty="0">
+                <a:solidFill>
+                  <a:schemeClr val="tx1"/>
+                </a:solidFill>
+                <a:sym typeface="+mn-ea"/>
+              </a:rPr>
+              <a:t>查看</a:t>
+            </a:r>
+            <a:r>
+              <a:rPr lang="zh-CN" altLang="en-US" sz="3200" dirty="0">
+                <a:solidFill>
+                  <a:schemeClr val="tx1"/>
+                </a:solidFill>
+                <a:sym typeface="+mn-ea"/>
+              </a:rPr>
+              <a:t>慕课网</a:t>
+            </a:r>
+            <a:r>
+              <a:rPr lang="en-US" altLang="zh-CN" sz="3200" dirty="0">
+                <a:solidFill>
+                  <a:schemeClr val="tx1"/>
+                </a:solidFill>
+                <a:sym typeface="+mn-ea"/>
+              </a:rPr>
+              <a:t>node</a:t>
+            </a:r>
+            <a:r>
+              <a:rPr lang="zh-CN" altLang="en-US" sz="3200" dirty="0">
+                <a:solidFill>
+                  <a:schemeClr val="tx1"/>
+                </a:solidFill>
+                <a:sym typeface="+mn-ea"/>
+              </a:rPr>
+              <a:t>基础相关内容（了解前后端交互）</a:t>
+            </a:r>
+            <a:br>
+              <a:rPr lang="zh-CN" altLang="en-US" sz="3200" dirty="0">
+                <a:solidFill>
+                  <a:schemeClr val="tx1"/>
+                </a:solidFill>
+                <a:sym typeface="+mn-ea"/>
+              </a:rPr>
+            </a:br>
+            <a:r>
+              <a:rPr lang="zh-CN" altLang="en-US" sz="3200" dirty="0">
+                <a:solidFill>
+                  <a:schemeClr val="accent3"/>
+                </a:solidFill>
+                <a:sym typeface="+mn-ea"/>
+              </a:rPr>
+              <a:t>https://www.imooc.com/learn/348</a:t>
             </a:r>
             <a:br>
               <a:rPr lang="zh-CN" altLang="en-US" sz="3200" dirty="0">

--- a/课程PPT/26.JS异步与网络数据交互.pptx
+++ b/课程PPT/26.JS异步与网络数据交互.pptx
@@ -6002,7 +6002,7 @@
                             </p:stCondLst>
                             <p:childTnLst>
                               <p:par>
-                                <p:cTn id="10" presetID="2" presetClass="entr" presetSubtype="4" fill="hold" grpId="0" nodeType="afterEffect">
+                                <p:cTn id="10" presetID="2" presetClass="entr" presetSubtype="4" fill="hold" nodeType="afterEffect">
                                   <p:stCondLst>
                                     <p:cond delay="0"/>
                                   </p:stCondLst>
@@ -6015,7 +6015,7 @@
                                           </p:stCondLst>
                                         </p:cTn>
                                         <p:tgtEl>
-                                          <p:spTgt spid="6"/>
+                                          <p:spTgt spid="4"/>
                                         </p:tgtEl>
                                         <p:attrNameLst>
                                           <p:attrName>style.visibility</p:attrName>
@@ -6029,7 +6029,7 @@
                                       <p:cBhvr additive="base">
                                         <p:cTn id="12" dur="500" fill="hold"/>
                                         <p:tgtEl>
-                                          <p:spTgt spid="6"/>
+                                          <p:spTgt spid="4"/>
                                         </p:tgtEl>
                                         <p:attrNameLst>
                                           <p:attrName>ppt_x</p:attrName>
@@ -6052,7 +6052,7 @@
                                       <p:cBhvr additive="base">
                                         <p:cTn id="13" dur="500" fill="hold"/>
                                         <p:tgtEl>
-                                          <p:spTgt spid="6"/>
+                                          <p:spTgt spid="4"/>
                                         </p:tgtEl>
                                         <p:attrNameLst>
                                           <p:attrName>ppt_y</p:attrName>
@@ -6093,7 +6093,7 @@
                             </p:stCondLst>
                             <p:childTnLst>
                               <p:par>
-                                <p:cTn id="16" presetID="2" presetClass="entr" presetSubtype="4" fill="hold" nodeType="clickEffect">
+                                <p:cTn id="16" presetID="2" presetClass="entr" presetSubtype="4" fill="hold" grpId="0" nodeType="clickEffect">
                                   <p:stCondLst>
                                     <p:cond delay="0"/>
                                   </p:stCondLst>
@@ -6106,7 +6106,7 @@
                                           </p:stCondLst>
                                         </p:cTn>
                                         <p:tgtEl>
-                                          <p:spTgt spid="4"/>
+                                          <p:spTgt spid="6"/>
                                         </p:tgtEl>
                                         <p:attrNameLst>
                                           <p:attrName>style.visibility</p:attrName>
@@ -6120,7 +6120,7 @@
                                       <p:cBhvr additive="base">
                                         <p:cTn id="18" dur="500" fill="hold"/>
                                         <p:tgtEl>
-                                          <p:spTgt spid="4"/>
+                                          <p:spTgt spid="6"/>
                                         </p:tgtEl>
                                         <p:attrNameLst>
                                           <p:attrName>ppt_x</p:attrName>
@@ -6143,7 +6143,7 @@
                                       <p:cBhvr additive="base">
                                         <p:cTn id="19" dur="500" fill="hold"/>
                                         <p:tgtEl>
-                                          <p:spTgt spid="4"/>
+                                          <p:spTgt spid="6"/>
                                         </p:tgtEl>
                                         <p:attrNameLst>
                                           <p:attrName>ppt_y</p:attrName>
@@ -6589,16 +6589,7 @@
                 </a:solidFill>
                 <a:sym typeface="+mn-ea"/>
               </a:rPr>
-              <a:t>查看</a:t>
-            </a:r>
-            <a:r>
-              <a:rPr lang="zh-CN" altLang="en-US" sz="3200" dirty="0">
-                <a:solidFill>
-                  <a:schemeClr val="tx1"/>
-                </a:solidFill>
-                <a:sym typeface="+mn-ea"/>
-              </a:rPr>
-              <a:t>慕课网</a:t>
+              <a:t>查看慕课网</a:t>
             </a:r>
             <a:r>
               <a:rPr lang="en-US" altLang="zh-CN" sz="3200" dirty="0">
